--- a/presentation.pptx
+++ b/presentation.pptx
@@ -3224,7 +3224,7 @@
       </p:grpSpPr>
       <p:sp>
         <p:nvSpPr>
-          <p:cNvPr id="151" name="Бонус, проблема oraсl-ов и почему блокчейн сосет"/>
+          <p:cNvPr id="156" name="Бонус, проблема oraсl-ов и почему блокчейн сосет"/>
           <p:cNvSpPr txBox="1"/>
           <p:nvPr>
             <p:ph type="ctrTitle"/>
@@ -3252,7 +3252,7 @@
       </p:sp>
       <p:sp>
         <p:nvSpPr>
-          <p:cNvPr id="152" name="Body"/>
+          <p:cNvPr id="157" name="Body"/>
           <p:cNvSpPr txBox="1"/>
           <p:nvPr>
             <p:ph type="subTitle" sz="quarter" idx="1"/>
@@ -3370,7 +3370,7 @@
         </p:nvSpPr>
         <p:spPr>
           <a:xfrm>
-            <a:off x="-23402" y="6852112"/>
+            <a:off x="8848" y="6561865"/>
             <a:ext cx="13309601" cy="3409982"/>
           </a:xfrm>
           <a:prstGeom prst="rect">
@@ -3471,11 +3471,11 @@
             </a:r>
             <a:br/>
             <a:r>
-              <a:t>     Практически у каждой станции метро в Москве открылось заведение, </a:t>
+              <a:t>     Практически у каждой станции метро в Москве </a:t>
             </a:r>
             <a:br/>
             <a:r>
-              <a:t>     в котором можно сделать ставки на спорт</a:t>
+              <a:t>     открылась букмекерская контора</a:t>
             </a:r>
             <a:br/>
             <a:br/>
@@ -3490,7 +3490,7 @@
         </p:nvSpPr>
         <p:spPr>
           <a:xfrm>
-            <a:off x="9912740" y="8851510"/>
+            <a:off x="9944990" y="8867635"/>
             <a:ext cx="3107857" cy="305587"/>
           </a:xfrm>
           <a:prstGeom prst="rect">
@@ -3708,7 +3708,7 @@
       </p:sp>
       <p:sp>
         <p:nvSpPr>
-          <p:cNvPr id="133" name="Использование blockchain технологи, а в частности смарт-контрактов, позволяет избавить пользователя от нежелательного риска, проверить коэффициенты исхода игр самостоятельно."/>
+          <p:cNvPr id="133" name="Использование blockchain технологи, а в частности смарт-контрактов, позволяет избавить пользователя от нежелательного риска, проверить коэффициенты исхода игр."/>
           <p:cNvSpPr txBox="1"/>
           <p:nvPr>
             <p:ph type="subTitle" sz="quarter" idx="1"/>
@@ -3733,7 +3733,7 @@
           <a:p>
             <a:pPr/>
             <a:r>
-              <a:t>Использование blockchain технологи, а в частности смарт-контрактов, позволяет избавить пользователя от нежелательного риска, проверить коэффициенты исхода игр самостоятельно.</a:t>
+              <a:t>Использование blockchain технологи, а в частности смарт-контрактов, позволяет избавить пользователя от нежелательного риска, проверить коэффициенты исхода игр.</a:t>
             </a:r>
           </a:p>
         </p:txBody>
@@ -3819,7 +3819,7 @@
       </p:sp>
       <p:sp>
         <p:nvSpPr>
-          <p:cNvPr id="137" name="Body"/>
+          <p:cNvPr id="137" name="About smart contracts"/>
           <p:cNvSpPr txBox="1"/>
           <p:nvPr>
             <p:ph type="subTitle" sz="quarter" idx="1"/>
@@ -3835,6 +3835,9 @@
           <a:lstStyle/>
           <a:p>
             <a:pPr/>
+            <a:r>
+              <a:t>About smart contracts</a:t>
+            </a:r>
           </a:p>
         </p:txBody>
       </p:sp>
@@ -3890,7 +3893,7 @@
       </p:sp>
       <p:sp>
         <p:nvSpPr>
-          <p:cNvPr id="140" name="Body"/>
+          <p:cNvPr id="140" name="About our smart contract smart, maybe 2 slides"/>
           <p:cNvSpPr txBox="1"/>
           <p:nvPr>
             <p:ph type="subTitle" sz="quarter" idx="1"/>
@@ -3906,6 +3909,9 @@
           <a:lstStyle/>
           <a:p>
             <a:pPr/>
+            <a:r>
+              <a:t>About our smart contract smart, maybe 2 slides</a:t>
+            </a:r>
           </a:p>
         </p:txBody>
       </p:sp>
@@ -3937,13 +3943,17 @@
       </p:grpSpPr>
       <p:sp>
         <p:nvSpPr>
-          <p:cNvPr id="142" name="Работоспособность MVP"/>
+          <p:cNvPr id="142" name="MVP (add slides)"/>
           <p:cNvSpPr txBox="1"/>
           <p:nvPr>
             <p:ph type="ctrTitle"/>
           </p:nvPr>
         </p:nvSpPr>
         <p:spPr>
+          <a:xfrm>
+            <a:off x="1270000" y="-1715671"/>
+            <a:ext cx="10464801" cy="3302001"/>
+          </a:xfrm>
           <a:prstGeom prst="rect">
             <a:avLst/>
           </a:prstGeom>
@@ -3954,20 +3964,24 @@
           <a:p>
             <a:pPr/>
             <a:r>
-              <a:t>Работоспособность MVP</a:t>
+              <a:t>MVP (add slides)</a:t>
             </a:r>
           </a:p>
         </p:txBody>
       </p:sp>
       <p:sp>
         <p:nvSpPr>
-          <p:cNvPr id="143" name="Body"/>
+          <p:cNvPr id="143" name="https://github.com/padap/hse_smart_contracts"/>
           <p:cNvSpPr txBox="1"/>
           <p:nvPr>
             <p:ph type="subTitle" sz="quarter" idx="1"/>
           </p:nvPr>
         </p:nvSpPr>
         <p:spPr>
+          <a:xfrm>
+            <a:off x="1270000" y="1675229"/>
+            <a:ext cx="10464801" cy="1130301"/>
+          </a:xfrm>
           <a:prstGeom prst="rect">
             <a:avLst/>
           </a:prstGeom>
@@ -3977,9 +3991,41 @@
           <a:lstStyle/>
           <a:p>
             <a:pPr/>
+            <a:r>
+              <a:t>https://github.com/padap/hse_smart_contracts</a:t>
+            </a:r>
           </a:p>
         </p:txBody>
       </p:sp>
+      <p:pic>
+        <p:nvPicPr>
+          <p:cNvPr id="144" name="Screen Shot 2018-12-24 at 8.18.18 PM.png" descr="Screen Shot 2018-12-24 at 8.18.18 PM.png"/>
+          <p:cNvPicPr>
+            <a:picLocks noChangeAspect="1"/>
+          </p:cNvPicPr>
+          <p:nvPr/>
+        </p:nvPicPr>
+        <p:blipFill>
+          <a:blip r:embed="rId2">
+            <a:extLst/>
+          </a:blip>
+          <a:stretch>
+            <a:fillRect/>
+          </a:stretch>
+        </p:blipFill>
+        <p:spPr>
+          <a:xfrm>
+            <a:off x="0" y="2667943"/>
+            <a:ext cx="13004801" cy="7206482"/>
+          </a:xfrm>
+          <a:prstGeom prst="rect">
+            <a:avLst/>
+          </a:prstGeom>
+          <a:ln w="12700">
+            <a:miter lim="400000"/>
+          </a:ln>
+        </p:spPr>
+      </p:pic>
     </p:spTree>
   </p:cSld>
   <p:clrMapOvr>
@@ -4008,41 +4054,45 @@
       </p:grpSpPr>
       <p:sp>
         <p:nvSpPr>
-          <p:cNvPr id="145" name="Заключение, что еще необходимо сделать"/>
+          <p:cNvPr id="146" name="Дальнейшие улучшения"/>
           <p:cNvSpPr txBox="1"/>
           <p:nvPr>
             <p:ph type="ctrTitle"/>
           </p:nvPr>
         </p:nvSpPr>
         <p:spPr>
+          <a:xfrm>
+            <a:off x="-987481" y="122563"/>
+            <a:ext cx="10464801" cy="3302001"/>
+          </a:xfrm>
           <a:prstGeom prst="rect">
             <a:avLst/>
           </a:prstGeom>
         </p:spPr>
         <p:txBody>
           <a:bodyPr/>
-          <a:lstStyle>
-            <a:lvl1pPr defTabSz="560831">
-              <a:defRPr sz="7679"/>
-            </a:lvl1pPr>
-          </a:lstStyle>
+          <a:lstStyle/>
           <a:p>
             <a:pPr/>
             <a:r>
-              <a:t>Заключение, что еще необходимо сделать</a:t>
+              <a:t>Дальнейшие улучшения</a:t>
             </a:r>
           </a:p>
         </p:txBody>
       </p:sp>
       <p:sp>
         <p:nvSpPr>
-          <p:cNvPr id="146" name="Body"/>
+          <p:cNvPr id="147" name="- Продвинутая система ставок…"/>
           <p:cNvSpPr txBox="1"/>
           <p:nvPr>
-            <p:ph type="subTitle" sz="quarter" idx="1"/>
+            <p:ph type="subTitle" sz="half" idx="1"/>
           </p:nvPr>
         </p:nvSpPr>
         <p:spPr>
+          <a:xfrm>
+            <a:off x="544381" y="6673935"/>
+            <a:ext cx="10464801" cy="4410009"/>
+          </a:xfrm>
           <a:prstGeom prst="rect">
             <a:avLst/>
           </a:prstGeom>
@@ -4051,10 +4101,54 @@
           <a:bodyPr/>
           <a:lstStyle/>
           <a:p>
-            <a:pPr/>
+            <a:pPr algn="l"/>
+            <a:r>
+              <a:t>- Продвинутая система ставок</a:t>
+            </a:r>
+          </a:p>
+          <a:p>
+            <a:pPr algn="l"/>
+            <a:r>
+              <a:t>- Приятный front интерфейс</a:t>
+            </a:r>
+          </a:p>
+          <a:p>
+            <a:pPr algn="l"/>
+            <a:r>
+              <a:t>- Решение проблемы с oracle</a:t>
+            </a:r>
           </a:p>
         </p:txBody>
       </p:sp>
+      <p:pic>
+        <p:nvPicPr>
+          <p:cNvPr id="148" name="app-144.png" descr="app-144.png"/>
+          <p:cNvPicPr>
+            <a:picLocks noChangeAspect="1"/>
+          </p:cNvPicPr>
+          <p:nvPr/>
+        </p:nvPicPr>
+        <p:blipFill>
+          <a:blip r:embed="rId2">
+            <a:extLst/>
+          </a:blip>
+          <a:stretch>
+            <a:fillRect/>
+          </a:stretch>
+        </p:blipFill>
+        <p:spPr>
+          <a:xfrm>
+            <a:off x="8383389" y="176277"/>
+            <a:ext cx="4191570" cy="4191570"/>
+          </a:xfrm>
+          <a:prstGeom prst="rect">
+            <a:avLst/>
+          </a:prstGeom>
+          <a:ln w="12700">
+            <a:miter lim="400000"/>
+          </a:ln>
+        </p:spPr>
+      </p:pic>
     </p:spTree>
   </p:cSld>
   <p:clrMapOvr>
@@ -4081,48 +4175,182 @@
           <a:chExt cx="0" cy="0"/>
         </a:xfrm>
       </p:grpSpPr>
+      <p:pic>
+        <p:nvPicPr>
+          <p:cNvPr id="150" name="fon2.png" descr="fon2.png"/>
+          <p:cNvPicPr>
+            <a:picLocks noChangeAspect="1"/>
+          </p:cNvPicPr>
+          <p:nvPr/>
+        </p:nvPicPr>
+        <p:blipFill>
+          <a:blip r:embed="rId2">
+            <a:extLst/>
+          </a:blip>
+          <a:stretch>
+            <a:fillRect/>
+          </a:stretch>
+        </p:blipFill>
+        <p:spPr>
+          <a:xfrm>
+            <a:off x="6981858" y="-3385705"/>
+            <a:ext cx="6554869" cy="4503896"/>
+          </a:xfrm>
+          <a:prstGeom prst="rect">
+            <a:avLst/>
+          </a:prstGeom>
+          <a:ln w="12700">
+            <a:miter lim="400000"/>
+          </a:ln>
+        </p:spPr>
+      </p:pic>
+      <p:pic>
+        <p:nvPicPr>
+          <p:cNvPr id="151" name="fon2.png" descr="fon2.png"/>
+          <p:cNvPicPr>
+            <a:picLocks noChangeAspect="1"/>
+          </p:cNvPicPr>
+          <p:nvPr/>
+        </p:nvPicPr>
+        <p:blipFill>
+          <a:blip r:embed="rId2">
+            <a:extLst/>
+          </a:blip>
+          <a:stretch>
+            <a:fillRect/>
+          </a:stretch>
+        </p:blipFill>
+        <p:spPr>
+          <a:xfrm>
+            <a:off x="6641237" y="1037352"/>
+            <a:ext cx="6554869" cy="4503896"/>
+          </a:xfrm>
+          <a:prstGeom prst="rect">
+            <a:avLst/>
+          </a:prstGeom>
+          <a:ln w="12700">
+            <a:miter lim="400000"/>
+          </a:ln>
+        </p:spPr>
+      </p:pic>
+      <p:pic>
+        <p:nvPicPr>
+          <p:cNvPr id="152" name="fon2.png" descr="fon2.png"/>
+          <p:cNvPicPr>
+            <a:picLocks noChangeAspect="1"/>
+          </p:cNvPicPr>
+          <p:nvPr/>
+        </p:nvPicPr>
+        <p:blipFill>
+          <a:blip r:embed="rId2">
+            <a:extLst/>
+          </a:blip>
+          <a:stretch>
+            <a:fillRect/>
+          </a:stretch>
+        </p:blipFill>
+        <p:spPr>
+          <a:xfrm>
+            <a:off x="465417" y="514512"/>
+            <a:ext cx="6554868" cy="4503895"/>
+          </a:xfrm>
+          <a:prstGeom prst="rect">
+            <a:avLst/>
+          </a:prstGeom>
+          <a:ln w="12700">
+            <a:miter lim="400000"/>
+          </a:ln>
+        </p:spPr>
+      </p:pic>
       <p:sp>
         <p:nvSpPr>
-          <p:cNvPr id="148" name="Спасибо за внимание!"/>
+          <p:cNvPr id="153" name="Title"/>
           <p:cNvSpPr txBox="1"/>
           <p:nvPr>
             <p:ph type="ctrTitle"/>
           </p:nvPr>
         </p:nvSpPr>
         <p:spPr>
-          <a:prstGeom prst="rect">
-            <a:avLst/>
-          </a:prstGeom>
+          <a:xfrm>
+            <a:off x="-91159" y="6508007"/>
+            <a:ext cx="13187119" cy="3302001"/>
+          </a:xfrm>
+          <a:prstGeom prst="rect">
+            <a:avLst/>
+          </a:prstGeom>
+          <a:gradFill>
+            <a:gsLst>
+              <a:gs pos="0">
+                <a:schemeClr val="accent1">
+                  <a:lumOff val="13529"/>
+                </a:schemeClr>
+              </a:gs>
+              <a:gs pos="100000">
+                <a:srgbClr val="000000"/>
+              </a:gs>
+            </a:gsLst>
+            <a:lin ang="16315851"/>
+          </a:gradFill>
         </p:spPr>
         <p:txBody>
-          <a:bodyPr/>
-          <a:lstStyle/>
+          <a:bodyPr lIns="457200" tIns="457200" rIns="457200" bIns="457200">
+            <a:noAutofit/>
+          </a:bodyPr>
+          <a:lstStyle>
+            <a:lvl1pPr>
+              <a:defRPr sz="2200"/>
+            </a:lvl1pPr>
+          </a:lstStyle>
           <a:p>
             <a:pPr/>
             <a:r>
-              <a:t>Спасибо за внимание!</a:t>
+              <a:t> </a:t>
             </a:r>
           </a:p>
         </p:txBody>
       </p:sp>
       <p:sp>
         <p:nvSpPr>
-          <p:cNvPr id="149" name="Body"/>
+          <p:cNvPr id="154" name="Спасибо за внимание!"/>
           <p:cNvSpPr txBox="1"/>
-          <p:nvPr>
-            <p:ph type="subTitle" sz="quarter" idx="1"/>
-          </p:nvPr>
+          <p:nvPr/>
         </p:nvSpPr>
         <p:spPr>
-          <a:prstGeom prst="rect">
-            <a:avLst/>
-          </a:prstGeom>
+          <a:xfrm>
+            <a:off x="2839579" y="5354402"/>
+            <a:ext cx="12421097" cy="3302001"/>
+          </a:xfrm>
+          <a:prstGeom prst="rect">
+            <a:avLst/>
+          </a:prstGeom>
+          <a:ln w="12700">
+            <a:miter lim="400000"/>
+          </a:ln>
+          <a:extLst>
+            <a:ext uri="{C572A759-6A51-4108-AA02-DFA0A04FC94B}">
+              <ma14:wrappingTextBoxFlag xmlns:ma14="http://schemas.microsoft.com/office/mac/drawingml/2011/main" val="1"/>
+            </a:ext>
+          </a:extLst>
         </p:spPr>
         <p:txBody>
-          <a:bodyPr/>
-          <a:lstStyle/>
+          <a:bodyPr lIns="114300" tIns="114300" rIns="114300" bIns="114300" anchor="b">
+            <a:normAutofit fontScale="100000" lnSpcReduction="0"/>
+          </a:bodyPr>
+          <a:lstStyle>
+            <a:lvl1pPr algn="l">
+              <a:defRPr b="0" sz="5000">
+                <a:latin typeface="+mn-lt"/>
+                <a:ea typeface="+mn-ea"/>
+                <a:cs typeface="+mn-cs"/>
+                <a:sym typeface="Helvetica Neue Medium"/>
+              </a:defRPr>
+            </a:lvl1pPr>
+          </a:lstStyle>
           <a:p>
             <a:pPr/>
+            <a:r>
+              <a:t>Спасибо за внимание!</a:t>
+            </a:r>
           </a:p>
         </p:txBody>
       </p:sp>

--- a/presentation.pptx
+++ b/presentation.pptx
@@ -63,22 +63,22 @@
       <a:buFontTx/>
       <a:buNone/>
       <a:tabLst/>
-      <a:defRPr b="1" baseline="0" cap="none" i="0" spc="0" strike="noStrike" sz="2400" u="none" kumimoji="0" normalizeH="0">
+      <a:defRPr b="0" baseline="0" cap="none" i="0" spc="0" strike="noStrike" sz="2400" u="none" kumimoji="0" normalizeH="0">
         <a:ln>
           <a:noFill/>
         </a:ln>
         <a:solidFill>
-          <a:srgbClr val="FFFFFF"/>
+          <a:srgbClr val="000000"/>
         </a:solidFill>
         <a:effectLst/>
         <a:uFillTx/>
-        <a:latin typeface="Helvetica Neue"/>
-        <a:ea typeface="Helvetica Neue"/>
-        <a:cs typeface="Helvetica Neue"/>
-        <a:sym typeface="Helvetica Neue"/>
+        <a:latin typeface="Helvetica Neue Medium"/>
+        <a:ea typeface="Helvetica Neue Medium"/>
+        <a:cs typeface="Helvetica Neue Medium"/>
+        <a:sym typeface="Helvetica Neue Medium"/>
       </a:defRPr>
     </a:lvl1pPr>
-    <a:lvl2pPr marL="0" marR="0" indent="228600" algn="ctr" defTabSz="584200" rtl="0" fontAlgn="auto" latinLnBrk="0" hangingPunct="0">
+    <a:lvl2pPr marL="0" marR="0" indent="0" algn="ctr" defTabSz="584200" rtl="0" fontAlgn="auto" latinLnBrk="0" hangingPunct="0">
       <a:lnSpc>
         <a:spcPct val="100000"/>
       </a:lnSpc>
@@ -93,22 +93,22 @@
       <a:buFontTx/>
       <a:buNone/>
       <a:tabLst/>
-      <a:defRPr b="1" baseline="0" cap="none" i="0" spc="0" strike="noStrike" sz="2400" u="none" kumimoji="0" normalizeH="0">
+      <a:defRPr b="0" baseline="0" cap="none" i="0" spc="0" strike="noStrike" sz="2400" u="none" kumimoji="0" normalizeH="0">
         <a:ln>
           <a:noFill/>
         </a:ln>
         <a:solidFill>
-          <a:srgbClr val="FFFFFF"/>
+          <a:srgbClr val="000000"/>
         </a:solidFill>
         <a:effectLst/>
         <a:uFillTx/>
-        <a:latin typeface="Helvetica Neue"/>
-        <a:ea typeface="Helvetica Neue"/>
-        <a:cs typeface="Helvetica Neue"/>
-        <a:sym typeface="Helvetica Neue"/>
+        <a:latin typeface="Helvetica Neue Medium"/>
+        <a:ea typeface="Helvetica Neue Medium"/>
+        <a:cs typeface="Helvetica Neue Medium"/>
+        <a:sym typeface="Helvetica Neue Medium"/>
       </a:defRPr>
     </a:lvl2pPr>
-    <a:lvl3pPr marL="0" marR="0" indent="457200" algn="ctr" defTabSz="584200" rtl="0" fontAlgn="auto" latinLnBrk="0" hangingPunct="0">
+    <a:lvl3pPr marL="0" marR="0" indent="0" algn="ctr" defTabSz="584200" rtl="0" fontAlgn="auto" latinLnBrk="0" hangingPunct="0">
       <a:lnSpc>
         <a:spcPct val="100000"/>
       </a:lnSpc>
@@ -123,22 +123,22 @@
       <a:buFontTx/>
       <a:buNone/>
       <a:tabLst/>
-      <a:defRPr b="1" baseline="0" cap="none" i="0" spc="0" strike="noStrike" sz="2400" u="none" kumimoji="0" normalizeH="0">
+      <a:defRPr b="0" baseline="0" cap="none" i="0" spc="0" strike="noStrike" sz="2400" u="none" kumimoji="0" normalizeH="0">
         <a:ln>
           <a:noFill/>
         </a:ln>
         <a:solidFill>
-          <a:srgbClr val="FFFFFF"/>
+          <a:srgbClr val="000000"/>
         </a:solidFill>
         <a:effectLst/>
         <a:uFillTx/>
-        <a:latin typeface="Helvetica Neue"/>
-        <a:ea typeface="Helvetica Neue"/>
-        <a:cs typeface="Helvetica Neue"/>
-        <a:sym typeface="Helvetica Neue"/>
+        <a:latin typeface="Helvetica Neue Medium"/>
+        <a:ea typeface="Helvetica Neue Medium"/>
+        <a:cs typeface="Helvetica Neue Medium"/>
+        <a:sym typeface="Helvetica Neue Medium"/>
       </a:defRPr>
     </a:lvl3pPr>
-    <a:lvl4pPr marL="0" marR="0" indent="685800" algn="ctr" defTabSz="584200" rtl="0" fontAlgn="auto" latinLnBrk="0" hangingPunct="0">
+    <a:lvl4pPr marL="0" marR="0" indent="0" algn="ctr" defTabSz="584200" rtl="0" fontAlgn="auto" latinLnBrk="0" hangingPunct="0">
       <a:lnSpc>
         <a:spcPct val="100000"/>
       </a:lnSpc>
@@ -153,22 +153,22 @@
       <a:buFontTx/>
       <a:buNone/>
       <a:tabLst/>
-      <a:defRPr b="1" baseline="0" cap="none" i="0" spc="0" strike="noStrike" sz="2400" u="none" kumimoji="0" normalizeH="0">
+      <a:defRPr b="0" baseline="0" cap="none" i="0" spc="0" strike="noStrike" sz="2400" u="none" kumimoji="0" normalizeH="0">
         <a:ln>
           <a:noFill/>
         </a:ln>
         <a:solidFill>
-          <a:srgbClr val="FFFFFF"/>
+          <a:srgbClr val="000000"/>
         </a:solidFill>
         <a:effectLst/>
         <a:uFillTx/>
-        <a:latin typeface="Helvetica Neue"/>
-        <a:ea typeface="Helvetica Neue"/>
-        <a:cs typeface="Helvetica Neue"/>
-        <a:sym typeface="Helvetica Neue"/>
+        <a:latin typeface="Helvetica Neue Medium"/>
+        <a:ea typeface="Helvetica Neue Medium"/>
+        <a:cs typeface="Helvetica Neue Medium"/>
+        <a:sym typeface="Helvetica Neue Medium"/>
       </a:defRPr>
     </a:lvl4pPr>
-    <a:lvl5pPr marL="0" marR="0" indent="914400" algn="ctr" defTabSz="584200" rtl="0" fontAlgn="auto" latinLnBrk="0" hangingPunct="0">
+    <a:lvl5pPr marL="0" marR="0" indent="0" algn="ctr" defTabSz="584200" rtl="0" fontAlgn="auto" latinLnBrk="0" hangingPunct="0">
       <a:lnSpc>
         <a:spcPct val="100000"/>
       </a:lnSpc>
@@ -183,22 +183,22 @@
       <a:buFontTx/>
       <a:buNone/>
       <a:tabLst/>
-      <a:defRPr b="1" baseline="0" cap="none" i="0" spc="0" strike="noStrike" sz="2400" u="none" kumimoji="0" normalizeH="0">
+      <a:defRPr b="0" baseline="0" cap="none" i="0" spc="0" strike="noStrike" sz="2400" u="none" kumimoji="0" normalizeH="0">
         <a:ln>
           <a:noFill/>
         </a:ln>
         <a:solidFill>
-          <a:srgbClr val="FFFFFF"/>
+          <a:srgbClr val="000000"/>
         </a:solidFill>
         <a:effectLst/>
         <a:uFillTx/>
-        <a:latin typeface="Helvetica Neue"/>
-        <a:ea typeface="Helvetica Neue"/>
-        <a:cs typeface="Helvetica Neue"/>
-        <a:sym typeface="Helvetica Neue"/>
+        <a:latin typeface="Helvetica Neue Medium"/>
+        <a:ea typeface="Helvetica Neue Medium"/>
+        <a:cs typeface="Helvetica Neue Medium"/>
+        <a:sym typeface="Helvetica Neue Medium"/>
       </a:defRPr>
     </a:lvl5pPr>
-    <a:lvl6pPr marL="0" marR="0" indent="1143000" algn="ctr" defTabSz="584200" rtl="0" fontAlgn="auto" latinLnBrk="0" hangingPunct="0">
+    <a:lvl6pPr marL="0" marR="0" indent="0" algn="ctr" defTabSz="584200" rtl="0" fontAlgn="auto" latinLnBrk="0" hangingPunct="0">
       <a:lnSpc>
         <a:spcPct val="100000"/>
       </a:lnSpc>
@@ -213,22 +213,22 @@
       <a:buFontTx/>
       <a:buNone/>
       <a:tabLst/>
-      <a:defRPr b="1" baseline="0" cap="none" i="0" spc="0" strike="noStrike" sz="2400" u="none" kumimoji="0" normalizeH="0">
+      <a:defRPr b="0" baseline="0" cap="none" i="0" spc="0" strike="noStrike" sz="2400" u="none" kumimoji="0" normalizeH="0">
         <a:ln>
           <a:noFill/>
         </a:ln>
         <a:solidFill>
-          <a:srgbClr val="FFFFFF"/>
+          <a:srgbClr val="000000"/>
         </a:solidFill>
         <a:effectLst/>
         <a:uFillTx/>
-        <a:latin typeface="Helvetica Neue"/>
-        <a:ea typeface="Helvetica Neue"/>
-        <a:cs typeface="Helvetica Neue"/>
-        <a:sym typeface="Helvetica Neue"/>
+        <a:latin typeface="Helvetica Neue Medium"/>
+        <a:ea typeface="Helvetica Neue Medium"/>
+        <a:cs typeface="Helvetica Neue Medium"/>
+        <a:sym typeface="Helvetica Neue Medium"/>
       </a:defRPr>
     </a:lvl6pPr>
-    <a:lvl7pPr marL="0" marR="0" indent="1371600" algn="ctr" defTabSz="584200" rtl="0" fontAlgn="auto" latinLnBrk="0" hangingPunct="0">
+    <a:lvl7pPr marL="0" marR="0" indent="0" algn="ctr" defTabSz="584200" rtl="0" fontAlgn="auto" latinLnBrk="0" hangingPunct="0">
       <a:lnSpc>
         <a:spcPct val="100000"/>
       </a:lnSpc>
@@ -243,22 +243,22 @@
       <a:buFontTx/>
       <a:buNone/>
       <a:tabLst/>
-      <a:defRPr b="1" baseline="0" cap="none" i="0" spc="0" strike="noStrike" sz="2400" u="none" kumimoji="0" normalizeH="0">
+      <a:defRPr b="0" baseline="0" cap="none" i="0" spc="0" strike="noStrike" sz="2400" u="none" kumimoji="0" normalizeH="0">
         <a:ln>
           <a:noFill/>
         </a:ln>
         <a:solidFill>
-          <a:srgbClr val="FFFFFF"/>
+          <a:srgbClr val="000000"/>
         </a:solidFill>
         <a:effectLst/>
         <a:uFillTx/>
-        <a:latin typeface="Helvetica Neue"/>
-        <a:ea typeface="Helvetica Neue"/>
-        <a:cs typeface="Helvetica Neue"/>
-        <a:sym typeface="Helvetica Neue"/>
+        <a:latin typeface="Helvetica Neue Medium"/>
+        <a:ea typeface="Helvetica Neue Medium"/>
+        <a:cs typeface="Helvetica Neue Medium"/>
+        <a:sym typeface="Helvetica Neue Medium"/>
       </a:defRPr>
     </a:lvl7pPr>
-    <a:lvl8pPr marL="0" marR="0" indent="1600200" algn="ctr" defTabSz="584200" rtl="0" fontAlgn="auto" latinLnBrk="0" hangingPunct="0">
+    <a:lvl8pPr marL="0" marR="0" indent="0" algn="ctr" defTabSz="584200" rtl="0" fontAlgn="auto" latinLnBrk="0" hangingPunct="0">
       <a:lnSpc>
         <a:spcPct val="100000"/>
       </a:lnSpc>
@@ -273,22 +273,22 @@
       <a:buFontTx/>
       <a:buNone/>
       <a:tabLst/>
-      <a:defRPr b="1" baseline="0" cap="none" i="0" spc="0" strike="noStrike" sz="2400" u="none" kumimoji="0" normalizeH="0">
+      <a:defRPr b="0" baseline="0" cap="none" i="0" spc="0" strike="noStrike" sz="2400" u="none" kumimoji="0" normalizeH="0">
         <a:ln>
           <a:noFill/>
         </a:ln>
         <a:solidFill>
-          <a:srgbClr val="FFFFFF"/>
+          <a:srgbClr val="000000"/>
         </a:solidFill>
         <a:effectLst/>
         <a:uFillTx/>
-        <a:latin typeface="Helvetica Neue"/>
-        <a:ea typeface="Helvetica Neue"/>
-        <a:cs typeface="Helvetica Neue"/>
-        <a:sym typeface="Helvetica Neue"/>
+        <a:latin typeface="Helvetica Neue Medium"/>
+        <a:ea typeface="Helvetica Neue Medium"/>
+        <a:cs typeface="Helvetica Neue Medium"/>
+        <a:sym typeface="Helvetica Neue Medium"/>
       </a:defRPr>
     </a:lvl8pPr>
-    <a:lvl9pPr marL="0" marR="0" indent="1828800" algn="ctr" defTabSz="584200" rtl="0" fontAlgn="auto" latinLnBrk="0" hangingPunct="0">
+    <a:lvl9pPr marL="0" marR="0" indent="0" algn="ctr" defTabSz="584200" rtl="0" fontAlgn="auto" latinLnBrk="0" hangingPunct="0">
       <a:lnSpc>
         <a:spcPct val="100000"/>
       </a:lnSpc>
@@ -303,19 +303,19 @@
       <a:buFontTx/>
       <a:buNone/>
       <a:tabLst/>
-      <a:defRPr b="1" baseline="0" cap="none" i="0" spc="0" strike="noStrike" sz="2400" u="none" kumimoji="0" normalizeH="0">
+      <a:defRPr b="0" baseline="0" cap="none" i="0" spc="0" strike="noStrike" sz="2400" u="none" kumimoji="0" normalizeH="0">
         <a:ln>
           <a:noFill/>
         </a:ln>
         <a:solidFill>
-          <a:srgbClr val="FFFFFF"/>
+          <a:srgbClr val="000000"/>
         </a:solidFill>
         <a:effectLst/>
         <a:uFillTx/>
-        <a:latin typeface="Helvetica Neue"/>
-        <a:ea typeface="Helvetica Neue"/>
-        <a:cs typeface="Helvetica Neue"/>
-        <a:sym typeface="Helvetica Neue"/>
+        <a:latin typeface="Helvetica Neue Medium"/>
+        <a:ea typeface="Helvetica Neue Medium"/>
+        <a:cs typeface="Helvetica Neue Medium"/>
+        <a:sym typeface="Helvetica Neue Medium"/>
       </a:defRPr>
     </a:lvl9pPr>
   </p:defaultTextStyle>
@@ -402,9 +402,9 @@
         <a:spcPct val="117999"/>
       </a:lnSpc>
       <a:defRPr sz="2200">
-        <a:latin typeface="Helvetica Neue"/>
-        <a:ea typeface="Helvetica Neue"/>
-        <a:cs typeface="Helvetica Neue"/>
+        <a:latin typeface="+mn-lt"/>
+        <a:ea typeface="+mn-ea"/>
+        <a:cs typeface="+mn-cs"/>
         <a:sym typeface="Helvetica Neue"/>
       </a:defRPr>
     </a:lvl1pPr>
@@ -413,9 +413,9 @@
         <a:spcPct val="117999"/>
       </a:lnSpc>
       <a:defRPr sz="2200">
-        <a:latin typeface="Helvetica Neue"/>
-        <a:ea typeface="Helvetica Neue"/>
-        <a:cs typeface="Helvetica Neue"/>
+        <a:latin typeface="+mn-lt"/>
+        <a:ea typeface="+mn-ea"/>
+        <a:cs typeface="+mn-cs"/>
         <a:sym typeface="Helvetica Neue"/>
       </a:defRPr>
     </a:lvl2pPr>
@@ -424,9 +424,9 @@
         <a:spcPct val="117999"/>
       </a:lnSpc>
       <a:defRPr sz="2200">
-        <a:latin typeface="Helvetica Neue"/>
-        <a:ea typeface="Helvetica Neue"/>
-        <a:cs typeface="Helvetica Neue"/>
+        <a:latin typeface="+mn-lt"/>
+        <a:ea typeface="+mn-ea"/>
+        <a:cs typeface="+mn-cs"/>
         <a:sym typeface="Helvetica Neue"/>
       </a:defRPr>
     </a:lvl3pPr>
@@ -435,9 +435,9 @@
         <a:spcPct val="117999"/>
       </a:lnSpc>
       <a:defRPr sz="2200">
-        <a:latin typeface="Helvetica Neue"/>
-        <a:ea typeface="Helvetica Neue"/>
-        <a:cs typeface="Helvetica Neue"/>
+        <a:latin typeface="+mn-lt"/>
+        <a:ea typeface="+mn-ea"/>
+        <a:cs typeface="+mn-cs"/>
         <a:sym typeface="Helvetica Neue"/>
       </a:defRPr>
     </a:lvl4pPr>
@@ -446,9 +446,9 @@
         <a:spcPct val="117999"/>
       </a:lnSpc>
       <a:defRPr sz="2200">
-        <a:latin typeface="Helvetica Neue"/>
-        <a:ea typeface="Helvetica Neue"/>
-        <a:cs typeface="Helvetica Neue"/>
+        <a:latin typeface="+mn-lt"/>
+        <a:ea typeface="+mn-ea"/>
+        <a:cs typeface="+mn-cs"/>
         <a:sym typeface="Helvetica Neue"/>
       </a:defRPr>
     </a:lvl5pPr>
@@ -457,9 +457,9 @@
         <a:spcPct val="117999"/>
       </a:lnSpc>
       <a:defRPr sz="2200">
-        <a:latin typeface="Helvetica Neue"/>
-        <a:ea typeface="Helvetica Neue"/>
-        <a:cs typeface="Helvetica Neue"/>
+        <a:latin typeface="+mn-lt"/>
+        <a:ea typeface="+mn-ea"/>
+        <a:cs typeface="+mn-cs"/>
         <a:sym typeface="Helvetica Neue"/>
       </a:defRPr>
     </a:lvl6pPr>
@@ -468,9 +468,9 @@
         <a:spcPct val="117999"/>
       </a:lnSpc>
       <a:defRPr sz="2200">
-        <a:latin typeface="Helvetica Neue"/>
-        <a:ea typeface="Helvetica Neue"/>
-        <a:cs typeface="Helvetica Neue"/>
+        <a:latin typeface="+mn-lt"/>
+        <a:ea typeface="+mn-ea"/>
+        <a:cs typeface="+mn-cs"/>
         <a:sym typeface="Helvetica Neue"/>
       </a:defRPr>
     </a:lvl7pPr>
@@ -479,9 +479,9 @@
         <a:spcPct val="117999"/>
       </a:lnSpc>
       <a:defRPr sz="2200">
-        <a:latin typeface="Helvetica Neue"/>
-        <a:ea typeface="Helvetica Neue"/>
-        <a:cs typeface="Helvetica Neue"/>
+        <a:latin typeface="+mn-lt"/>
+        <a:ea typeface="+mn-ea"/>
+        <a:cs typeface="+mn-cs"/>
         <a:sym typeface="Helvetica Neue"/>
       </a:defRPr>
     </a:lvl8pPr>
@@ -490,9 +490,9 @@
         <a:spcPct val="117999"/>
       </a:lnSpc>
       <a:defRPr sz="2200">
-        <a:latin typeface="Helvetica Neue"/>
-        <a:ea typeface="Helvetica Neue"/>
-        <a:cs typeface="Helvetica Neue"/>
+        <a:latin typeface="+mn-lt"/>
+        <a:ea typeface="+mn-ea"/>
+        <a:cs typeface="+mn-cs"/>
         <a:sym typeface="Helvetica Neue"/>
       </a:defRPr>
     </a:lvl9pPr>
@@ -569,7 +569,6 @@
               <a:spcBef>
                 <a:spcPts val="0"/>
               </a:spcBef>
-              <a:buClrTx/>
               <a:buSzTx/>
               <a:buNone/>
               <a:defRPr sz="3700"/>
@@ -578,7 +577,6 @@
               <a:spcBef>
                 <a:spcPts val="0"/>
               </a:spcBef>
-              <a:buClrTx/>
               <a:buSzTx/>
               <a:buNone/>
               <a:defRPr sz="3700"/>
@@ -587,7 +585,6 @@
               <a:spcBef>
                 <a:spcPts val="0"/>
               </a:spcBef>
-              <a:buClrTx/>
               <a:buSzTx/>
               <a:buNone/>
               <a:defRPr sz="3700"/>
@@ -596,7 +593,6 @@
               <a:spcBef>
                 <a:spcPts val="0"/>
               </a:spcBef>
-              <a:buClrTx/>
               <a:buSzTx/>
               <a:buNone/>
               <a:defRPr sz="3700"/>
@@ -605,7 +601,6 @@
               <a:spcBef>
                 <a:spcPts val="0"/>
               </a:spcBef>
-              <a:buClrTx/>
               <a:buSzTx/>
               <a:buNone/>
               <a:defRPr sz="3700"/>
@@ -693,10 +688,10 @@
       </p:grpSpPr>
       <p:sp>
         <p:nvSpPr>
-          <p:cNvPr id="93" name="–Johnny Appleseed"/>
+          <p:cNvPr id="93" name="Body Level One…"/>
           <p:cNvSpPr txBox="1"/>
           <p:nvPr>
-            <p:ph type="body" sz="quarter" idx="13"/>
+            <p:ph type="body" sz="quarter" idx="1"/>
           </p:nvPr>
         </p:nvSpPr>
         <p:spPr>
@@ -709,24 +704,69 @@
           </a:prstGeom>
         </p:spPr>
         <p:txBody>
-          <a:bodyPr anchor="t">
-            <a:spAutoFit/>
-          </a:bodyPr>
+          <a:bodyPr anchor="t"/>
           <a:lstStyle>
             <a:lvl1pPr marL="0" indent="0" algn="ctr">
               <a:spcBef>
                 <a:spcPts val="0"/>
               </a:spcBef>
-              <a:buClrTx/>
               <a:buSzTx/>
               <a:buNone/>
               <a:defRPr i="1" sz="2400"/>
             </a:lvl1pPr>
+            <a:lvl2pPr marL="777875" indent="-333375" algn="ctr">
+              <a:spcBef>
+                <a:spcPts val="0"/>
+              </a:spcBef>
+              <a:defRPr i="1" sz="2400"/>
+            </a:lvl2pPr>
+            <a:lvl3pPr marL="1222375" indent="-333375" algn="ctr">
+              <a:spcBef>
+                <a:spcPts val="0"/>
+              </a:spcBef>
+              <a:defRPr i="1" sz="2400"/>
+            </a:lvl3pPr>
+            <a:lvl4pPr marL="1666875" indent="-333375" algn="ctr">
+              <a:spcBef>
+                <a:spcPts val="0"/>
+              </a:spcBef>
+              <a:defRPr i="1" sz="2400"/>
+            </a:lvl4pPr>
+            <a:lvl5pPr marL="2111375" indent="-333375" algn="ctr">
+              <a:spcBef>
+                <a:spcPts val="0"/>
+              </a:spcBef>
+              <a:defRPr i="1" sz="2400"/>
+            </a:lvl5pPr>
           </a:lstStyle>
           <a:p>
             <a:pPr/>
             <a:r>
-              <a:t>–Johnny Appleseed</a:t>
+              <a:t>Body Level One</a:t>
+            </a:r>
+          </a:p>
+          <a:p>
+            <a:pPr lvl="1"/>
+            <a:r>
+              <a:t>Body Level Two</a:t>
+            </a:r>
+          </a:p>
+          <a:p>
+            <a:pPr lvl="2"/>
+            <a:r>
+              <a:t>Body Level Three</a:t>
+            </a:r>
+          </a:p>
+          <a:p>
+            <a:pPr lvl="3"/>
+            <a:r>
+              <a:t>Body Level Four</a:t>
+            </a:r>
+          </a:p>
+          <a:p>
+            <a:pPr lvl="4"/>
+            <a:r>
+              <a:t>Body Level Five</a:t>
             </a:r>
           </a:p>
         </p:txBody>
@@ -736,43 +776,35 @@
           <p:cNvPr id="94" name="“Type a quote here.”"/>
           <p:cNvSpPr txBox="1"/>
           <p:nvPr>
-            <p:ph type="body" sz="quarter" idx="14"/>
+            <p:ph type="body" sz="quarter" idx="13"/>
           </p:nvPr>
         </p:nvSpPr>
         <p:spPr>
           <a:xfrm>
             <a:off x="1270000" y="4308599"/>
-            <a:ext cx="10464800" cy="609776"/>
+            <a:ext cx="10464800" cy="609777"/>
           </a:xfrm>
           <a:prstGeom prst="rect">
             <a:avLst/>
           </a:prstGeom>
         </p:spPr>
         <p:txBody>
-          <a:bodyPr>
-            <a:spAutoFit/>
-          </a:bodyPr>
-          <a:lstStyle>
-            <a:lvl1pPr marL="0" indent="0" algn="ctr">
+          <a:bodyPr/>
+          <a:lstStyle/>
+          <a:p>
+            <a:pPr marL="0" indent="0" algn="ctr">
               <a:spcBef>
                 <a:spcPts val="0"/>
               </a:spcBef>
-              <a:buClrTx/>
               <a:buSzTx/>
               <a:buNone/>
               <a:defRPr sz="3400">
-                <a:latin typeface="+mn-lt"/>
-                <a:ea typeface="+mn-ea"/>
-                <a:cs typeface="+mn-cs"/>
+                <a:latin typeface="Helvetica Neue Medium"/>
+                <a:ea typeface="Helvetica Neue Medium"/>
+                <a:cs typeface="Helvetica Neue Medium"/>
                 <a:sym typeface="Helvetica Neue Medium"/>
               </a:defRPr>
-            </a:lvl1pPr>
-          </a:lstStyle>
-          <a:p>
-            <a:pPr/>
-            <a:r>
-              <a:t>“Type a quote here.” </a:t>
-            </a:r>
+            </a:pPr>
           </a:p>
         </p:txBody>
       </p:sp>
@@ -958,7 +990,7 @@
         <p:spPr>
           <a:xfrm>
             <a:off x="1619250" y="673100"/>
-            <a:ext cx="9758016" cy="5905500"/>
+            <a:ext cx="9758017" cy="5905500"/>
           </a:xfrm>
           <a:prstGeom prst="rect">
             <a:avLst/>
@@ -1026,7 +1058,6 @@
               <a:spcBef>
                 <a:spcPts val="0"/>
               </a:spcBef>
-              <a:buClrTx/>
               <a:buSzTx/>
               <a:buNone/>
               <a:defRPr sz="3700"/>
@@ -1035,7 +1066,6 @@
               <a:spcBef>
                 <a:spcPts val="0"/>
               </a:spcBef>
-              <a:buClrTx/>
               <a:buSzTx/>
               <a:buNone/>
               <a:defRPr sz="3700"/>
@@ -1044,7 +1074,6 @@
               <a:spcBef>
                 <a:spcPts val="0"/>
               </a:spcBef>
-              <a:buClrTx/>
               <a:buSzTx/>
               <a:buNone/>
               <a:defRPr sz="3700"/>
@@ -1053,7 +1082,6 @@
               <a:spcBef>
                 <a:spcPts val="0"/>
               </a:spcBef>
-              <a:buClrTx/>
               <a:buSzTx/>
               <a:buNone/>
               <a:defRPr sz="3700"/>
@@ -1062,7 +1090,6 @@
               <a:spcBef>
                 <a:spcPts val="0"/>
               </a:spcBef>
-              <a:buClrTx/>
               <a:buSzTx/>
               <a:buNone/>
               <a:defRPr sz="3700"/>
@@ -1234,8 +1261,8 @@
         </p:nvSpPr>
         <p:spPr>
           <a:xfrm>
-            <a:off x="6718300" y="638919"/>
-            <a:ext cx="5334001" cy="8216901"/>
+            <a:off x="6718300" y="638918"/>
+            <a:ext cx="5334002" cy="8216902"/>
           </a:xfrm>
           <a:prstGeom prst="rect">
             <a:avLst/>
@@ -1307,7 +1334,6 @@
               <a:spcBef>
                 <a:spcPts val="0"/>
               </a:spcBef>
-              <a:buClrTx/>
               <a:buSzTx/>
               <a:buNone/>
               <a:defRPr sz="3700"/>
@@ -1316,7 +1342,6 @@
               <a:spcBef>
                 <a:spcPts val="0"/>
               </a:spcBef>
-              <a:buClrTx/>
               <a:buSzTx/>
               <a:buNone/>
               <a:defRPr sz="3700"/>
@@ -1325,7 +1350,6 @@
               <a:spcBef>
                 <a:spcPts val="0"/>
               </a:spcBef>
-              <a:buClrTx/>
               <a:buSzTx/>
               <a:buNone/>
               <a:defRPr sz="3700"/>
@@ -1334,7 +1358,6 @@
               <a:spcBef>
                 <a:spcPts val="0"/>
               </a:spcBef>
-              <a:buClrTx/>
               <a:buSzTx/>
               <a:buNone/>
               <a:defRPr sz="3700"/>
@@ -1343,7 +1366,6 @@
               <a:spcBef>
                 <a:spcPts val="0"/>
               </a:spcBef>
-              <a:buClrTx/>
               <a:buSzTx/>
               <a:buNone/>
               <a:defRPr sz="3700"/>
@@ -1540,23 +1562,7 @@
         </p:spPr>
         <p:txBody>
           <a:bodyPr/>
-          <a:lstStyle>
-            <a:lvl1pPr>
-              <a:buClrTx/>
-            </a:lvl1pPr>
-            <a:lvl2pPr>
-              <a:buClrTx/>
-            </a:lvl2pPr>
-            <a:lvl3pPr>
-              <a:buClrTx/>
-            </a:lvl3pPr>
-            <a:lvl4pPr>
-              <a:buClrTx/>
-            </a:lvl4pPr>
-            <a:lvl5pPr>
-              <a:buClrTx/>
-            </a:lvl5pPr>
-          </a:lstStyle>
+          <a:lstStyle/>
           <a:p>
             <a:pPr/>
             <a:r>
@@ -1712,35 +1718,30 @@
               <a:spcBef>
                 <a:spcPts val="3200"/>
               </a:spcBef>
-              <a:buClrTx/>
               <a:defRPr sz="2800"/>
             </a:lvl1pPr>
             <a:lvl2pPr marL="685800" indent="-342900">
               <a:spcBef>
                 <a:spcPts val="3200"/>
               </a:spcBef>
-              <a:buClrTx/>
               <a:defRPr sz="2800"/>
             </a:lvl2pPr>
             <a:lvl3pPr marL="1028700" indent="-342900">
               <a:spcBef>
                 <a:spcPts val="3200"/>
               </a:spcBef>
-              <a:buClrTx/>
               <a:defRPr sz="2800"/>
             </a:lvl3pPr>
             <a:lvl4pPr marL="1371600" indent="-342900">
               <a:spcBef>
                 <a:spcPts val="3200"/>
               </a:spcBef>
-              <a:buClrTx/>
               <a:defRPr sz="2800"/>
             </a:lvl4pPr>
             <a:lvl5pPr marL="1714500" indent="-342900">
               <a:spcBef>
                 <a:spcPts val="3200"/>
               </a:spcBef>
-              <a:buClrTx/>
               <a:defRPr sz="2800"/>
             </a:lvl5pPr>
           </a:lstStyle>
@@ -1843,23 +1844,7 @@
         </p:spPr>
         <p:txBody>
           <a:bodyPr/>
-          <a:lstStyle>
-            <a:lvl1pPr>
-              <a:buClrTx/>
-            </a:lvl1pPr>
-            <a:lvl2pPr>
-              <a:buClrTx/>
-            </a:lvl2pPr>
-            <a:lvl3pPr>
-              <a:buClrTx/>
-            </a:lvl3pPr>
-            <a:lvl4pPr>
-              <a:buClrTx/>
-            </a:lvl4pPr>
-            <a:lvl5pPr>
-              <a:buClrTx/>
-            </a:lvl5pPr>
-          </a:lstStyle>
+          <a:lstStyle/>
           <a:p>
             <a:pPr/>
             <a:r>
@@ -2202,7 +2187,10 @@
           </a:bodyPr>
           <a:lstStyle>
             <a:lvl1pPr>
-              <a:defRPr b="0" sz="1600">
+              <a:defRPr sz="1600">
+                <a:solidFill>
+                  <a:srgbClr val="FFFFFF"/>
+                </a:solidFill>
                 <a:latin typeface="Helvetica Neue Light"/>
                 <a:ea typeface="Helvetica Neue Light"/>
                 <a:cs typeface="Helvetica Neue Light"/>
@@ -2218,7 +2206,7 @@
       </p:sp>
     </p:spTree>
   </p:cSld>
-  <p:clrMap bg1="dk1" tx1="lt1" bg2="dk2" tx2="lt2" accent1="accent1" accent2="accent2" accent3="accent3" accent4="accent4" accent5="accent5" accent6="accent6" hlink="hlink" folHlink="folHlink"/>
+  <p:clrMap bg1="lt1" tx1="dk1" bg2="lt2" tx2="dk2" accent1="accent1" accent2="accent2" accent3="accent3" accent4="accent4" accent5="accent5" accent6="accent6" hlink="hlink" folHlink="folHlink"/>
   <p:sldLayoutIdLst>
     <p:sldLayoutId id="2147483649" r:id="rId2"/>
     <p:sldLayoutId id="2147483650" r:id="rId3"/>
@@ -2259,9 +2247,9 @@
             <a:srgbClr val="FFFFFF"/>
           </a:solidFill>
           <a:uFillTx/>
-          <a:latin typeface="+mn-lt"/>
-          <a:ea typeface="+mn-ea"/>
-          <a:cs typeface="+mn-cs"/>
+          <a:latin typeface="Helvetica Neue Medium"/>
+          <a:ea typeface="Helvetica Neue Medium"/>
+          <a:cs typeface="Helvetica Neue Medium"/>
           <a:sym typeface="Helvetica Neue Medium"/>
         </a:defRPr>
       </a:lvl1pPr>
@@ -2288,9 +2276,9 @@
             <a:srgbClr val="FFFFFF"/>
           </a:solidFill>
           <a:uFillTx/>
-          <a:latin typeface="+mn-lt"/>
-          <a:ea typeface="+mn-ea"/>
-          <a:cs typeface="+mn-cs"/>
+          <a:latin typeface="Helvetica Neue Medium"/>
+          <a:ea typeface="Helvetica Neue Medium"/>
+          <a:cs typeface="Helvetica Neue Medium"/>
           <a:sym typeface="Helvetica Neue Medium"/>
         </a:defRPr>
       </a:lvl2pPr>
@@ -2317,9 +2305,9 @@
             <a:srgbClr val="FFFFFF"/>
           </a:solidFill>
           <a:uFillTx/>
-          <a:latin typeface="+mn-lt"/>
-          <a:ea typeface="+mn-ea"/>
-          <a:cs typeface="+mn-cs"/>
+          <a:latin typeface="Helvetica Neue Medium"/>
+          <a:ea typeface="Helvetica Neue Medium"/>
+          <a:cs typeface="Helvetica Neue Medium"/>
           <a:sym typeface="Helvetica Neue Medium"/>
         </a:defRPr>
       </a:lvl3pPr>
@@ -2346,9 +2334,9 @@
             <a:srgbClr val="FFFFFF"/>
           </a:solidFill>
           <a:uFillTx/>
-          <a:latin typeface="+mn-lt"/>
-          <a:ea typeface="+mn-ea"/>
-          <a:cs typeface="+mn-cs"/>
+          <a:latin typeface="Helvetica Neue Medium"/>
+          <a:ea typeface="Helvetica Neue Medium"/>
+          <a:cs typeface="Helvetica Neue Medium"/>
           <a:sym typeface="Helvetica Neue Medium"/>
         </a:defRPr>
       </a:lvl4pPr>
@@ -2375,9 +2363,9 @@
             <a:srgbClr val="FFFFFF"/>
           </a:solidFill>
           <a:uFillTx/>
-          <a:latin typeface="+mn-lt"/>
-          <a:ea typeface="+mn-ea"/>
-          <a:cs typeface="+mn-cs"/>
+          <a:latin typeface="Helvetica Neue Medium"/>
+          <a:ea typeface="Helvetica Neue Medium"/>
+          <a:cs typeface="Helvetica Neue Medium"/>
           <a:sym typeface="Helvetica Neue Medium"/>
         </a:defRPr>
       </a:lvl5pPr>
@@ -2404,9 +2392,9 @@
             <a:srgbClr val="FFFFFF"/>
           </a:solidFill>
           <a:uFillTx/>
-          <a:latin typeface="+mn-lt"/>
-          <a:ea typeface="+mn-ea"/>
-          <a:cs typeface="+mn-cs"/>
+          <a:latin typeface="Helvetica Neue Medium"/>
+          <a:ea typeface="Helvetica Neue Medium"/>
+          <a:cs typeface="Helvetica Neue Medium"/>
           <a:sym typeface="Helvetica Neue Medium"/>
         </a:defRPr>
       </a:lvl6pPr>
@@ -2433,9 +2421,9 @@
             <a:srgbClr val="FFFFFF"/>
           </a:solidFill>
           <a:uFillTx/>
-          <a:latin typeface="+mn-lt"/>
-          <a:ea typeface="+mn-ea"/>
-          <a:cs typeface="+mn-cs"/>
+          <a:latin typeface="Helvetica Neue Medium"/>
+          <a:ea typeface="Helvetica Neue Medium"/>
+          <a:cs typeface="Helvetica Neue Medium"/>
           <a:sym typeface="Helvetica Neue Medium"/>
         </a:defRPr>
       </a:lvl7pPr>
@@ -2462,9 +2450,9 @@
             <a:srgbClr val="FFFFFF"/>
           </a:solidFill>
           <a:uFillTx/>
-          <a:latin typeface="+mn-lt"/>
-          <a:ea typeface="+mn-ea"/>
-          <a:cs typeface="+mn-cs"/>
+          <a:latin typeface="Helvetica Neue Medium"/>
+          <a:ea typeface="Helvetica Neue Medium"/>
+          <a:cs typeface="Helvetica Neue Medium"/>
           <a:sym typeface="Helvetica Neue Medium"/>
         </a:defRPr>
       </a:lvl8pPr>
@@ -2491,9 +2479,9 @@
             <a:srgbClr val="FFFFFF"/>
           </a:solidFill>
           <a:uFillTx/>
-          <a:latin typeface="+mn-lt"/>
-          <a:ea typeface="+mn-ea"/>
-          <a:cs typeface="+mn-cs"/>
+          <a:latin typeface="Helvetica Neue Medium"/>
+          <a:ea typeface="Helvetica Neue Medium"/>
+          <a:cs typeface="Helvetica Neue Medium"/>
           <a:sym typeface="Helvetica Neue Medium"/>
         </a:defRPr>
       </a:lvl9pPr>
@@ -2509,9 +2497,7 @@
         <a:spcAft>
           <a:spcPts val="0"/>
         </a:spcAft>
-        <a:buClr>
-          <a:srgbClr val="FFFFFF"/>
-        </a:buClr>
+        <a:buClrTx/>
         <a:buSzPct val="145000"/>
         <a:buFontTx/>
         <a:buChar char="•"/>
@@ -2524,9 +2510,9 @@
             <a:srgbClr val="FFFFFF"/>
           </a:solidFill>
           <a:uFillTx/>
-          <a:latin typeface="Helvetica Neue"/>
-          <a:ea typeface="Helvetica Neue"/>
-          <a:cs typeface="Helvetica Neue"/>
+          <a:latin typeface="+mn-lt"/>
+          <a:ea typeface="+mn-ea"/>
+          <a:cs typeface="+mn-cs"/>
           <a:sym typeface="Helvetica Neue"/>
         </a:defRPr>
       </a:lvl1pPr>
@@ -2540,9 +2526,7 @@
         <a:spcAft>
           <a:spcPts val="0"/>
         </a:spcAft>
-        <a:buClr>
-          <a:srgbClr val="FFFFFF"/>
-        </a:buClr>
+        <a:buClrTx/>
         <a:buSzPct val="145000"/>
         <a:buFontTx/>
         <a:buChar char="•"/>
@@ -2555,9 +2539,9 @@
             <a:srgbClr val="FFFFFF"/>
           </a:solidFill>
           <a:uFillTx/>
-          <a:latin typeface="Helvetica Neue"/>
-          <a:ea typeface="Helvetica Neue"/>
-          <a:cs typeface="Helvetica Neue"/>
+          <a:latin typeface="+mn-lt"/>
+          <a:ea typeface="+mn-ea"/>
+          <a:cs typeface="+mn-cs"/>
           <a:sym typeface="Helvetica Neue"/>
         </a:defRPr>
       </a:lvl2pPr>
@@ -2571,9 +2555,7 @@
         <a:spcAft>
           <a:spcPts val="0"/>
         </a:spcAft>
-        <a:buClr>
-          <a:srgbClr val="FFFFFF"/>
-        </a:buClr>
+        <a:buClrTx/>
         <a:buSzPct val="145000"/>
         <a:buFontTx/>
         <a:buChar char="•"/>
@@ -2586,9 +2568,9 @@
             <a:srgbClr val="FFFFFF"/>
           </a:solidFill>
           <a:uFillTx/>
-          <a:latin typeface="Helvetica Neue"/>
-          <a:ea typeface="Helvetica Neue"/>
-          <a:cs typeface="Helvetica Neue"/>
+          <a:latin typeface="+mn-lt"/>
+          <a:ea typeface="+mn-ea"/>
+          <a:cs typeface="+mn-cs"/>
           <a:sym typeface="Helvetica Neue"/>
         </a:defRPr>
       </a:lvl3pPr>
@@ -2602,9 +2584,7 @@
         <a:spcAft>
           <a:spcPts val="0"/>
         </a:spcAft>
-        <a:buClr>
-          <a:srgbClr val="FFFFFF"/>
-        </a:buClr>
+        <a:buClrTx/>
         <a:buSzPct val="145000"/>
         <a:buFontTx/>
         <a:buChar char="•"/>
@@ -2617,9 +2597,9 @@
             <a:srgbClr val="FFFFFF"/>
           </a:solidFill>
           <a:uFillTx/>
-          <a:latin typeface="Helvetica Neue"/>
-          <a:ea typeface="Helvetica Neue"/>
-          <a:cs typeface="Helvetica Neue"/>
+          <a:latin typeface="+mn-lt"/>
+          <a:ea typeface="+mn-ea"/>
+          <a:cs typeface="+mn-cs"/>
           <a:sym typeface="Helvetica Neue"/>
         </a:defRPr>
       </a:lvl4pPr>
@@ -2633,9 +2613,7 @@
         <a:spcAft>
           <a:spcPts val="0"/>
         </a:spcAft>
-        <a:buClr>
-          <a:srgbClr val="FFFFFF"/>
-        </a:buClr>
+        <a:buClrTx/>
         <a:buSzPct val="145000"/>
         <a:buFontTx/>
         <a:buChar char="•"/>
@@ -2648,9 +2626,9 @@
             <a:srgbClr val="FFFFFF"/>
           </a:solidFill>
           <a:uFillTx/>
-          <a:latin typeface="Helvetica Neue"/>
-          <a:ea typeface="Helvetica Neue"/>
-          <a:cs typeface="Helvetica Neue"/>
+          <a:latin typeface="+mn-lt"/>
+          <a:ea typeface="+mn-ea"/>
+          <a:cs typeface="+mn-cs"/>
           <a:sym typeface="Helvetica Neue"/>
         </a:defRPr>
       </a:lvl5pPr>
@@ -2664,9 +2642,7 @@
         <a:spcAft>
           <a:spcPts val="0"/>
         </a:spcAft>
-        <a:buClr>
-          <a:srgbClr val="FFFFFF"/>
-        </a:buClr>
+        <a:buClrTx/>
         <a:buSzPct val="145000"/>
         <a:buFontTx/>
         <a:buChar char="•"/>
@@ -2679,9 +2655,9 @@
             <a:srgbClr val="FFFFFF"/>
           </a:solidFill>
           <a:uFillTx/>
-          <a:latin typeface="Helvetica Neue"/>
-          <a:ea typeface="Helvetica Neue"/>
-          <a:cs typeface="Helvetica Neue"/>
+          <a:latin typeface="+mn-lt"/>
+          <a:ea typeface="+mn-ea"/>
+          <a:cs typeface="+mn-cs"/>
           <a:sym typeface="Helvetica Neue"/>
         </a:defRPr>
       </a:lvl6pPr>
@@ -2695,9 +2671,7 @@
         <a:spcAft>
           <a:spcPts val="0"/>
         </a:spcAft>
-        <a:buClr>
-          <a:srgbClr val="FFFFFF"/>
-        </a:buClr>
+        <a:buClrTx/>
         <a:buSzPct val="145000"/>
         <a:buFontTx/>
         <a:buChar char="•"/>
@@ -2710,9 +2684,9 @@
             <a:srgbClr val="FFFFFF"/>
           </a:solidFill>
           <a:uFillTx/>
-          <a:latin typeface="Helvetica Neue"/>
-          <a:ea typeface="Helvetica Neue"/>
-          <a:cs typeface="Helvetica Neue"/>
+          <a:latin typeface="+mn-lt"/>
+          <a:ea typeface="+mn-ea"/>
+          <a:cs typeface="+mn-cs"/>
           <a:sym typeface="Helvetica Neue"/>
         </a:defRPr>
       </a:lvl7pPr>
@@ -2726,9 +2700,7 @@
         <a:spcAft>
           <a:spcPts val="0"/>
         </a:spcAft>
-        <a:buClr>
-          <a:srgbClr val="FFFFFF"/>
-        </a:buClr>
+        <a:buClrTx/>
         <a:buSzPct val="145000"/>
         <a:buFontTx/>
         <a:buChar char="•"/>
@@ -2741,9 +2713,9 @@
             <a:srgbClr val="FFFFFF"/>
           </a:solidFill>
           <a:uFillTx/>
-          <a:latin typeface="Helvetica Neue"/>
-          <a:ea typeface="Helvetica Neue"/>
-          <a:cs typeface="Helvetica Neue"/>
+          <a:latin typeface="+mn-lt"/>
+          <a:ea typeface="+mn-ea"/>
+          <a:cs typeface="+mn-cs"/>
           <a:sym typeface="Helvetica Neue"/>
         </a:defRPr>
       </a:lvl8pPr>
@@ -2757,9 +2729,7 @@
         <a:spcAft>
           <a:spcPts val="0"/>
         </a:spcAft>
-        <a:buClr>
-          <a:srgbClr val="FFFFFF"/>
-        </a:buClr>
+        <a:buClrTx/>
         <a:buSzPct val="145000"/>
         <a:buFontTx/>
         <a:buChar char="•"/>
@@ -2772,15 +2742,15 @@
             <a:srgbClr val="FFFFFF"/>
           </a:solidFill>
           <a:uFillTx/>
-          <a:latin typeface="Helvetica Neue"/>
-          <a:ea typeface="Helvetica Neue"/>
-          <a:cs typeface="Helvetica Neue"/>
+          <a:latin typeface="+mn-lt"/>
+          <a:ea typeface="+mn-ea"/>
+          <a:cs typeface="+mn-cs"/>
           <a:sym typeface="Helvetica Neue"/>
         </a:defRPr>
       </a:lvl9pPr>
     </p:bodyStyle>
     <p:otherStyle>
-      <a:lvl1pPr marL="0" marR="0" indent="0" algn="ctr" defTabSz="584200" latinLnBrk="0">
+      <a:lvl1pPr marL="0" marR="0" indent="0" algn="ctr" defTabSz="584200" rtl="0" latinLnBrk="0">
         <a:lnSpc>
           <a:spcPct val="100000"/>
         </a:lnSpc>
@@ -2809,7 +2779,7 @@
           <a:sym typeface="Helvetica Neue Light"/>
         </a:defRPr>
       </a:lvl1pPr>
-      <a:lvl2pPr marL="0" marR="0" indent="228600" algn="ctr" defTabSz="584200" latinLnBrk="0">
+      <a:lvl2pPr marL="0" marR="0" indent="0" algn="ctr" defTabSz="584200" rtl="0" latinLnBrk="0">
         <a:lnSpc>
           <a:spcPct val="100000"/>
         </a:lnSpc>
@@ -2838,7 +2808,7 @@
           <a:sym typeface="Helvetica Neue Light"/>
         </a:defRPr>
       </a:lvl2pPr>
-      <a:lvl3pPr marL="0" marR="0" indent="457200" algn="ctr" defTabSz="584200" latinLnBrk="0">
+      <a:lvl3pPr marL="0" marR="0" indent="0" algn="ctr" defTabSz="584200" rtl="0" latinLnBrk="0">
         <a:lnSpc>
           <a:spcPct val="100000"/>
         </a:lnSpc>
@@ -2867,7 +2837,7 @@
           <a:sym typeface="Helvetica Neue Light"/>
         </a:defRPr>
       </a:lvl3pPr>
-      <a:lvl4pPr marL="0" marR="0" indent="685800" algn="ctr" defTabSz="584200" latinLnBrk="0">
+      <a:lvl4pPr marL="0" marR="0" indent="0" algn="ctr" defTabSz="584200" rtl="0" latinLnBrk="0">
         <a:lnSpc>
           <a:spcPct val="100000"/>
         </a:lnSpc>
@@ -2896,7 +2866,7 @@
           <a:sym typeface="Helvetica Neue Light"/>
         </a:defRPr>
       </a:lvl4pPr>
-      <a:lvl5pPr marL="0" marR="0" indent="914400" algn="ctr" defTabSz="584200" latinLnBrk="0">
+      <a:lvl5pPr marL="0" marR="0" indent="0" algn="ctr" defTabSz="584200" rtl="0" latinLnBrk="0">
         <a:lnSpc>
           <a:spcPct val="100000"/>
         </a:lnSpc>
@@ -2925,7 +2895,7 @@
           <a:sym typeface="Helvetica Neue Light"/>
         </a:defRPr>
       </a:lvl5pPr>
-      <a:lvl6pPr marL="0" marR="0" indent="1143000" algn="ctr" defTabSz="584200" latinLnBrk="0">
+      <a:lvl6pPr marL="0" marR="0" indent="0" algn="ctr" defTabSz="584200" rtl="0" latinLnBrk="0">
         <a:lnSpc>
           <a:spcPct val="100000"/>
         </a:lnSpc>
@@ -2954,7 +2924,7 @@
           <a:sym typeface="Helvetica Neue Light"/>
         </a:defRPr>
       </a:lvl6pPr>
-      <a:lvl7pPr marL="0" marR="0" indent="1371600" algn="ctr" defTabSz="584200" latinLnBrk="0">
+      <a:lvl7pPr marL="0" marR="0" indent="0" algn="ctr" defTabSz="584200" rtl="0" latinLnBrk="0">
         <a:lnSpc>
           <a:spcPct val="100000"/>
         </a:lnSpc>
@@ -2983,7 +2953,7 @@
           <a:sym typeface="Helvetica Neue Light"/>
         </a:defRPr>
       </a:lvl7pPr>
-      <a:lvl8pPr marL="0" marR="0" indent="1600200" algn="ctr" defTabSz="584200" latinLnBrk="0">
+      <a:lvl8pPr marL="0" marR="0" indent="0" algn="ctr" defTabSz="584200" rtl="0" latinLnBrk="0">
         <a:lnSpc>
           <a:spcPct val="100000"/>
         </a:lnSpc>
@@ -3012,7 +2982,7 @@
           <a:sym typeface="Helvetica Neue Light"/>
         </a:defRPr>
       </a:lvl8pPr>
-      <a:lvl9pPr marL="0" marR="0" indent="1828800" algn="ctr" defTabSz="584200" latinLnBrk="0">
+      <a:lvl9pPr marL="0" marR="0" indent="0" algn="ctr" defTabSz="584200" rtl="0" latinLnBrk="0">
         <a:lnSpc>
           <a:spcPct val="100000"/>
         </a:lnSpc>
@@ -3081,13 +3051,13 @@
         </p:blipFill>
         <p:spPr>
           <a:xfrm>
-            <a:off x="0" y="-15500"/>
-            <a:ext cx="13004800" cy="4316903"/>
+            <a:off x="0" y="-15501"/>
+            <a:ext cx="13004800" cy="4316905"/>
           </a:xfrm>
           <a:prstGeom prst="rect">
             <a:avLst/>
           </a:prstGeom>
-          <a:ln w="25400">
+          <a:ln w="12700">
             <a:miter lim="400000"/>
           </a:ln>
           <a:effectLst>
@@ -3105,8 +3075,8 @@
         </p:nvSpPr>
         <p:spPr>
           <a:xfrm>
-            <a:off x="291851" y="5676900"/>
-            <a:ext cx="12421098" cy="3302000"/>
+            <a:off x="291850" y="5676900"/>
+            <a:ext cx="12421100" cy="3302000"/>
           </a:xfrm>
           <a:prstGeom prst="rect">
             <a:avLst/>
@@ -3117,7 +3087,7 @@
           <a:lstStyle/>
           <a:p>
             <a:pPr algn="l" defTabSz="508254">
-              <a:defRPr sz="4350"/>
+              <a:defRPr sz="4300"/>
             </a:pPr>
             <a:br/>
             <a:r>
@@ -3129,14 +3099,22 @@
               <a:t>  </a:t>
             </a:r>
             <a:r>
-              <a:rPr sz="3480"/>
-              <a:t>(реализованныt на смарт-контракте,</a:t>
+              <a:rPr sz="3400"/>
+              <a:t>(реализованны</a:t>
+            </a:r>
+            <a:r>
+              <a:rPr sz="3400"/>
+              <a:t>й</a:t>
+            </a:r>
+            <a:r>
+              <a:rPr sz="3400"/>
+              <a:t> на смарт-контракте,</a:t>
             </a:r>
             <a:br>
-              <a:rPr sz="3480"/>
+              <a:rPr sz="3400"/>
             </a:br>
             <a:r>
-              <a:rPr sz="3480"/>
+              <a:rPr sz="3400"/>
               <a:t>   для прозрачности сделок)</a:t>
             </a:r>
           </a:p>
@@ -3164,7 +3142,10 @@
           <a:lstStyle/>
           <a:p>
             <a:pPr algn="l" defTabSz="268731">
-              <a:defRPr sz="1702"/>
+              <a:lnSpc>
+                <a:spcPct val="90000"/>
+              </a:lnSpc>
+              <a:defRPr sz="1700"/>
             </a:pPr>
             <a:r>
               <a:t>Авторы:</a:t>
@@ -3172,7 +3153,10 @@
           </a:p>
           <a:p>
             <a:pPr algn="l" defTabSz="268731">
-              <a:defRPr sz="1702"/>
+              <a:lnSpc>
+                <a:spcPct val="90000"/>
+              </a:lnSpc>
+              <a:defRPr sz="1700"/>
             </a:pPr>
             <a:r>
               <a:t>Адаменко Павел Алексеевич</a:t>
@@ -3180,7 +3164,10 @@
           </a:p>
           <a:p>
             <a:pPr algn="l" defTabSz="268731">
-              <a:defRPr sz="1702"/>
+              <a:lnSpc>
+                <a:spcPct val="90000"/>
+              </a:lnSpc>
+              <a:defRPr sz="1700"/>
             </a:pPr>
             <a:r>
               <a:t>Чуркин Никита Николаевич</a:t>
@@ -3188,7 +3175,10 @@
           </a:p>
           <a:p>
             <a:pPr algn="l" defTabSz="268731">
-              <a:defRPr sz="1702"/>
+              <a:lnSpc>
+                <a:spcPct val="90000"/>
+              </a:lnSpc>
+              <a:defRPr sz="1700"/>
             </a:pPr>
             <a:r>
               <a:t>Степанов Тимур Алексеевич</a:t>
@@ -3231,6 +3221,10 @@
           </p:nvPr>
         </p:nvSpPr>
         <p:spPr>
+          <a:xfrm>
+            <a:off x="1120278" y="25400"/>
+            <a:ext cx="10464801" cy="3302000"/>
+          </a:xfrm>
           <a:prstGeom prst="rect">
             <a:avLst/>
           </a:prstGeom>
@@ -3239,38 +3233,46 @@
           <a:bodyPr/>
           <a:lstStyle>
             <a:lvl1pPr defTabSz="502412">
-              <a:defRPr sz="6880"/>
+              <a:defRPr sz="6800"/>
             </a:lvl1pPr>
           </a:lstStyle>
           <a:p>
             <a:pPr/>
             <a:r>
-              <a:t>Бонус, проблема oraсl-ов и почему блокчейн сосет</a:t>
+              <a:t>Бонус, описание проблемы с oraсl-ом</a:t>
             </a:r>
           </a:p>
         </p:txBody>
       </p:sp>
-      <p:sp>
-        <p:nvSpPr>
-          <p:cNvPr id="157" name="Body"/>
-          <p:cNvSpPr txBox="1"/>
-          <p:nvPr>
-            <p:ph type="subTitle" sz="quarter" idx="1"/>
-          </p:nvPr>
-        </p:nvSpPr>
-        <p:spPr>
-          <a:prstGeom prst="rect">
-            <a:avLst/>
-          </a:prstGeom>
-        </p:spPr>
-        <p:txBody>
-          <a:bodyPr/>
-          <a:lstStyle/>
-          <a:p>
-            <a:pPr/>
-          </a:p>
-        </p:txBody>
-      </p:sp>
+      <p:pic>
+        <p:nvPicPr>
+          <p:cNvPr id="157" name="1*aZPPYvn4feF9EHiU0MIP_A.png" descr="1*aZPPYvn4feF9EHiU0MIP_A.png"/>
+          <p:cNvPicPr>
+            <a:picLocks noChangeAspect="1"/>
+          </p:cNvPicPr>
+          <p:nvPr/>
+        </p:nvPicPr>
+        <p:blipFill>
+          <a:blip r:embed="rId2">
+            <a:extLst/>
+          </a:blip>
+          <a:stretch>
+            <a:fillRect/>
+          </a:stretch>
+        </p:blipFill>
+        <p:spPr>
+          <a:xfrm>
+            <a:off x="1352550" y="4097783"/>
+            <a:ext cx="10299700" cy="3073401"/>
+          </a:xfrm>
+          <a:prstGeom prst="rect">
+            <a:avLst/>
+          </a:prstGeom>
+          <a:ln w="12700">
+            <a:miter lim="400000"/>
+          </a:ln>
+        </p:spPr>
+      </p:pic>
     </p:spTree>
   </p:cSld>
   <p:clrMapOvr>
@@ -3315,8 +3317,8 @@
         </p:blipFill>
         <p:spPr>
           <a:xfrm>
-            <a:off x="-517940" y="-38603"/>
-            <a:ext cx="13685933" cy="9120392"/>
+            <a:off x="-517940" y="-38604"/>
+            <a:ext cx="13685934" cy="9120394"/>
           </a:xfrm>
           <a:prstGeom prst="rect">
             <a:avLst/>
@@ -3371,7 +3373,7 @@
         <p:spPr>
           <a:xfrm>
             <a:off x="8848" y="6561865"/>
-            <a:ext cx="13309601" cy="3409982"/>
+            <a:ext cx="13309602" cy="3409983"/>
           </a:xfrm>
           <a:prstGeom prst="rect">
             <a:avLst/>
@@ -3379,17 +3381,14 @@
           <a:gradFill>
             <a:gsLst>
               <a:gs pos="0">
-                <a:schemeClr val="accent1">
-                  <a:lumOff val="13529"/>
+                <a:srgbClr val="00A2FF">
                   <a:alpha val="74027"/>
-                </a:schemeClr>
+                </a:srgbClr>
               </a:gs>
               <a:gs pos="100000">
-                <a:schemeClr val="accent1">
-                  <a:hueOff val="373667"/>
-                  <a:lumOff val="-17254"/>
+                <a:srgbClr val="003462">
                   <a:alpha val="74027"/>
-                </a:schemeClr>
+                </a:srgbClr>
               </a:gs>
             </a:gsLst>
             <a:lin ang="16315851"/>
@@ -3414,12 +3413,11 @@
           </a:bodyPr>
           <a:lstStyle/>
           <a:p>
-            <a:pPr lvl="1" indent="0" algn="l" defTabSz="502412">
-              <a:defRPr b="0" sz="1892">
-                <a:latin typeface="+mn-lt"/>
-                <a:ea typeface="+mn-ea"/>
-                <a:cs typeface="+mn-cs"/>
-                <a:sym typeface="Helvetica Neue Medium"/>
+            <a:pPr lvl="1" algn="l" defTabSz="502412">
+              <a:defRPr sz="1800">
+                <a:solidFill>
+                  <a:srgbClr val="FFFFFF"/>
+                </a:solidFill>
               </a:defRPr>
             </a:pPr>
             <a:r>
@@ -3427,12 +3425,11 @@
             </a:r>
           </a:p>
           <a:p>
-            <a:pPr lvl="1" indent="0" algn="l" defTabSz="502412">
-              <a:defRPr b="0" sz="1892">
-                <a:latin typeface="+mn-lt"/>
-                <a:ea typeface="+mn-ea"/>
-                <a:cs typeface="+mn-cs"/>
-                <a:sym typeface="Helvetica Neue Medium"/>
+            <a:pPr lvl="1" algn="l" defTabSz="502412">
+              <a:defRPr sz="1800">
+                <a:solidFill>
+                  <a:srgbClr val="FFFFFF"/>
+                </a:solidFill>
               </a:defRPr>
             </a:pPr>
             <a:r>
@@ -3449,21 +3446,19 @@
           </a:p>
           <a:p>
             <a:pPr algn="l" defTabSz="502412">
-              <a:defRPr b="0" sz="1892">
-                <a:latin typeface="+mn-lt"/>
-                <a:ea typeface="+mn-ea"/>
-                <a:cs typeface="+mn-cs"/>
-                <a:sym typeface="Helvetica Neue Medium"/>
+              <a:defRPr sz="1800">
+                <a:solidFill>
+                  <a:srgbClr val="FFFFFF"/>
+                </a:solidFill>
               </a:defRPr>
             </a:pPr>
           </a:p>
           <a:p>
             <a:pPr algn="l" defTabSz="502412">
-              <a:defRPr b="0" sz="1892">
-                <a:latin typeface="+mn-lt"/>
-                <a:ea typeface="+mn-ea"/>
-                <a:cs typeface="+mn-cs"/>
-                <a:sym typeface="Helvetica Neue Medium"/>
+              <a:defRPr sz="1800">
+                <a:solidFill>
+                  <a:srgbClr val="FFFFFF"/>
+                </a:solidFill>
               </a:defRPr>
             </a:pPr>
             <a:r>
@@ -3490,8 +3485,8 @@
         </p:nvSpPr>
         <p:spPr>
           <a:xfrm>
-            <a:off x="9944990" y="8867635"/>
-            <a:ext cx="3107857" cy="305587"/>
+            <a:off x="9944989" y="8867634"/>
+            <a:ext cx="3107858" cy="305588"/>
           </a:xfrm>
           <a:prstGeom prst="rect">
             <a:avLst/>
@@ -3508,11 +3503,10 @@
           <a:lstStyle/>
           <a:p>
             <a:pPr>
-              <a:defRPr b="0" sz="2200">
-                <a:latin typeface="+mn-lt"/>
-                <a:ea typeface="+mn-ea"/>
-                <a:cs typeface="+mn-cs"/>
-                <a:sym typeface="Helvetica Neue Medium"/>
+              <a:defRPr sz="2200">
+                <a:solidFill>
+                  <a:srgbClr val="FFFFFF"/>
+                </a:solidFill>
               </a:defRPr>
             </a:pPr>
           </a:p>
@@ -3544,62 +3538,11 @@
           <a:chExt cx="0" cy="0"/>
         </a:xfrm>
       </p:grpSpPr>
-      <p:sp>
-        <p:nvSpPr>
-          <p:cNvPr id="128" name="Тем не менее, сомнения в честности работы букмекеров никуда ни ушли, особенно в интернете…"/>
-          <p:cNvSpPr txBox="1"/>
-          <p:nvPr>
-            <p:ph type="subTitle" sz="half" idx="1"/>
-          </p:nvPr>
-        </p:nvSpPr>
-        <p:spPr>
-          <a:xfrm>
-            <a:off x="367007" y="6641685"/>
-            <a:ext cx="11049580" cy="2854779"/>
-          </a:xfrm>
-          <a:prstGeom prst="rect">
-            <a:avLst/>
-          </a:prstGeom>
-        </p:spPr>
-        <p:txBody>
-          <a:bodyPr/>
-          <a:lstStyle/>
-          <a:p>
-            <a:pPr algn="l" defTabSz="251206">
-              <a:defRPr sz="2580"/>
-            </a:pPr>
-            <a:r>
-              <a:t>Тем не менее, сомнения в честности работы букмекеров никуда ни ушли,</a:t>
-            </a:r>
-            <a:br/>
-            <a:r>
-              <a:t>особенно в интернете</a:t>
-            </a:r>
-            <a:br/>
-          </a:p>
-          <a:p>
-            <a:pPr algn="l" defTabSz="251206">
-              <a:defRPr sz="2580"/>
-            </a:pPr>
-            <a:r>
-              <a:t>- Где гарантия, что мне вернут деньги?</a:t>
-            </a:r>
-          </a:p>
-          <a:p>
-            <a:pPr algn="l" defTabSz="251206">
-              <a:defRPr sz="2580"/>
-            </a:pPr>
-            <a:r>
-              <a:t>- Каким образом выставляются коэффициенты?</a:t>
-            </a:r>
-          </a:p>
-        </p:txBody>
-      </p:sp>
       <p:pic>
         <p:nvPicPr>
-          <p:cNvPr id="129" name="Screen Shot 2018-12-24 at 7.46.32 PM.png" descr="Screen Shot 2018-12-24 at 7.46.32 PM.png"/>
+          <p:cNvPr id="128" name="Picture 2" descr="Picture 2"/>
           <p:cNvPicPr>
-            <a:picLocks noChangeAspect="0"/>
+            <a:picLocks noChangeAspect="1"/>
           </p:cNvPicPr>
           <p:nvPr/>
         </p:nvPicPr>
@@ -3613,17 +3556,68 @@
         </p:blipFill>
         <p:spPr>
           <a:xfrm>
-            <a:off x="38100" y="-522391"/>
-            <a:ext cx="12954001" cy="5482201"/>
+            <a:off x="-808284" y="-23092"/>
+            <a:ext cx="13813084" cy="6007252"/>
           </a:xfrm>
           <a:prstGeom prst="rect">
             <a:avLst/>
           </a:prstGeom>
-          <a:effectLst>
-            <a:reflection blurRad="0" stA="82330" stPos="0" endA="0" endPos="40000" dist="0" dir="5400000" fadeDir="5400000" sx="100000" sy="-100000" kx="0" ky="0" algn="bl" rotWithShape="0"/>
-          </a:effectLst>
+          <a:ln w="12700">
+            <a:miter lim="400000"/>
+          </a:ln>
         </p:spPr>
       </p:pic>
+      <p:sp>
+        <p:nvSpPr>
+          <p:cNvPr id="129" name="Тем не менее, сомнения в честности работы букмекеров никуда ни ушли, особенно в интернете…"/>
+          <p:cNvSpPr txBox="1"/>
+          <p:nvPr>
+            <p:ph type="subTitle" sz="half" idx="1"/>
+          </p:nvPr>
+        </p:nvSpPr>
+        <p:spPr>
+          <a:xfrm>
+            <a:off x="367007" y="6641685"/>
+            <a:ext cx="11049580" cy="2854780"/>
+          </a:xfrm>
+          <a:prstGeom prst="rect">
+            <a:avLst/>
+          </a:prstGeom>
+        </p:spPr>
+        <p:txBody>
+          <a:bodyPr/>
+          <a:lstStyle/>
+          <a:p>
+            <a:pPr algn="l" defTabSz="251206">
+              <a:defRPr sz="2500"/>
+            </a:pPr>
+            <a:r>
+              <a:t>Тем не менее, сомнения в честности работы букмекеров никуда ни ушли,</a:t>
+            </a:r>
+            <a:br/>
+            <a:r>
+              <a:t>особенно в интернете</a:t>
+            </a:r>
+            <a:br/>
+          </a:p>
+          <a:p>
+            <a:pPr algn="l" defTabSz="251206">
+              <a:defRPr sz="2500"/>
+            </a:pPr>
+            <a:r>
+              <a:t>- Где гарантия, что мне вернут деньги?</a:t>
+            </a:r>
+          </a:p>
+          <a:p>
+            <a:pPr algn="l" defTabSz="251206">
+              <a:defRPr sz="2500"/>
+            </a:pPr>
+            <a:r>
+              <a:t>- Каким образом выставляются коэффициенты?</a:t>
+            </a:r>
+          </a:p>
+        </p:txBody>
+      </p:sp>
       <p:sp>
         <p:nvSpPr>
           <p:cNvPr id="130" name="Проблемы"/>
@@ -3634,8 +3628,8 @@
         </p:nvSpPr>
         <p:spPr>
           <a:xfrm>
-            <a:off x="-616609" y="1822937"/>
-            <a:ext cx="10464801" cy="3302001"/>
+            <a:off x="-616609" y="1822936"/>
+            <a:ext cx="10464801" cy="3302003"/>
           </a:xfrm>
           <a:prstGeom prst="rect">
             <a:avLst/>
@@ -3688,8 +3682,8 @@
         </p:nvSpPr>
         <p:spPr>
           <a:xfrm>
-            <a:off x="4720719" y="3949699"/>
-            <a:ext cx="10464801" cy="3302001"/>
+            <a:off x="4720718" y="3949698"/>
+            <a:ext cx="10464802" cy="3302002"/>
           </a:xfrm>
           <a:prstGeom prst="rect">
             <a:avLst/>
@@ -3716,8 +3710,8 @@
         </p:nvSpPr>
         <p:spPr>
           <a:xfrm>
-            <a:off x="834628" y="7802675"/>
-            <a:ext cx="10464801" cy="1130301"/>
+            <a:off x="834628" y="7802674"/>
+            <a:ext cx="10464801" cy="1130302"/>
           </a:xfrm>
           <a:prstGeom prst="rect">
             <a:avLst/>
@@ -3726,8 +3720,11 @@
         <p:txBody>
           <a:bodyPr/>
           <a:lstStyle>
-            <a:lvl1pPr algn="l" defTabSz="356362">
-              <a:defRPr sz="2257"/>
+            <a:lvl1pPr algn="l" defTabSz="356361">
+              <a:lnSpc>
+                <a:spcPct val="90000"/>
+              </a:lnSpc>
+              <a:defRPr sz="2200"/>
             </a:lvl1pPr>
           </a:lstStyle>
           <a:p>
@@ -3757,7 +3754,7 @@
         <p:spPr>
           <a:xfrm>
             <a:off x="1422399" y="372090"/>
-            <a:ext cx="10160001" cy="5397501"/>
+            <a:ext cx="10160001" cy="5397502"/>
           </a:xfrm>
           <a:prstGeom prst="rect">
             <a:avLst/>
@@ -3795,48 +3792,79 @@
       </p:grpSpPr>
       <p:sp>
         <p:nvSpPr>
-          <p:cNvPr id="136" name="Как это работает 1"/>
+          <p:cNvPr id="136" name="About smart contracts"/>
           <p:cNvSpPr txBox="1"/>
           <p:nvPr>
-            <p:ph type="ctrTitle"/>
+            <p:ph type="subTitle" sz="half" idx="1"/>
           </p:nvPr>
         </p:nvSpPr>
         <p:spPr>
+          <a:xfrm>
+            <a:off x="644483" y="3805230"/>
+            <a:ext cx="11161756" cy="3000397"/>
+          </a:xfrm>
           <a:prstGeom prst="rect">
             <a:avLst/>
           </a:prstGeom>
         </p:spPr>
         <p:txBody>
           <a:bodyPr/>
-          <a:lstStyle/>
+          <a:lstStyle>
+            <a:lvl1pPr defTabSz="572516">
+              <a:lnSpc>
+                <a:spcPct val="150000"/>
+              </a:lnSpc>
+              <a:defRPr sz="3626"/>
+            </a:lvl1pPr>
+          </a:lstStyle>
           <a:p>
             <a:pPr/>
             <a:r>
-              <a:t>Как это работает 1</a:t>
+              <a:t>Смарт-контракт  — компьютерный алгоритм, предназначенный для заключения и поддержания коммерческих контрактов в технологии блокчейн</a:t>
             </a:r>
           </a:p>
         </p:txBody>
       </p:sp>
       <p:sp>
         <p:nvSpPr>
-          <p:cNvPr id="137" name="About smart contracts"/>
+          <p:cNvPr id="137" name="Как это работает 1"/>
           <p:cNvSpPr txBox="1"/>
-          <p:nvPr>
-            <p:ph type="subTitle" sz="quarter" idx="1"/>
-          </p:nvPr>
+          <p:nvPr/>
         </p:nvSpPr>
         <p:spPr>
-          <a:prstGeom prst="rect">
-            <a:avLst/>
-          </a:prstGeom>
+          <a:xfrm>
+            <a:off x="1215987" y="661957"/>
+            <a:ext cx="10464801" cy="1373176"/>
+          </a:xfrm>
+          <a:prstGeom prst="rect">
+            <a:avLst/>
+          </a:prstGeom>
+          <a:ln w="12700">
+            <a:miter lim="400000"/>
+          </a:ln>
+          <a:extLst>
+            <a:ext uri="{C572A759-6A51-4108-AA02-DFA0A04FC94B}">
+              <ma14:wrappingTextBoxFlag xmlns:ma14="http://schemas.microsoft.com/office/mac/drawingml/2011/main" val="1"/>
+            </a:ext>
+          </a:extLst>
         </p:spPr>
         <p:txBody>
-          <a:bodyPr/>
-          <a:lstStyle/>
+          <a:bodyPr lIns="50800" tIns="50800" rIns="50800" bIns="50800" anchor="b">
+            <a:normAutofit fontScale="100000" lnSpcReduction="0"/>
+          </a:bodyPr>
+          <a:lstStyle>
+            <a:lvl1pPr>
+              <a:defRPr sz="8000">
+                <a:solidFill>
+                  <a:srgbClr val="FFFFFF"/>
+                </a:solidFill>
+              </a:defRPr>
+            </a:lvl1pPr>
+          </a:lstStyle>
           <a:p>
             <a:pPr/>
             <a:r>
-              <a:t>About smart contracts</a:t>
+              <a:t>Как это работает ?</a:t>
             </a:r>
           </a:p>
         </p:txBody>
@@ -3869,13 +3897,17 @@
       </p:grpSpPr>
       <p:sp>
         <p:nvSpPr>
-          <p:cNvPr id="139" name="Как это работает 2"/>
+          <p:cNvPr id="139" name="About our smart contract smart, maybe 2 slides"/>
           <p:cNvSpPr txBox="1"/>
           <p:nvPr>
-            <p:ph type="ctrTitle"/>
+            <p:ph type="subTitle" idx="1"/>
           </p:nvPr>
         </p:nvSpPr>
         <p:spPr>
+          <a:xfrm>
+            <a:off x="1358863" y="3090849"/>
+            <a:ext cx="11072891" cy="6286545"/>
+          </a:xfrm>
           <a:prstGeom prst="rect">
             <a:avLst/>
           </a:prstGeom>
@@ -3884,33 +3916,184 @@
           <a:bodyPr/>
           <a:lstStyle/>
           <a:p>
-            <a:pPr/>
-            <a:r>
-              <a:t>Как это работает 2</a:t>
+            <a:pPr algn="l">
+              <a:lnSpc>
+                <a:spcPct val="150000"/>
+              </a:lnSpc>
+              <a:defRPr sz="2400"/>
+            </a:pPr>
+            <a:r>
+              <a:t>В рамках смарт-контракта реализован следующий интерфейс:</a:t>
+            </a:r>
+          </a:p>
+          <a:p>
+            <a:pPr algn="l">
+              <a:lnSpc>
+                <a:spcPct val="150000"/>
+              </a:lnSpc>
+              <a:buSzPct val="100000"/>
+              <a:buFont typeface="Arial"/>
+              <a:buChar char="•"/>
+              <a:defRPr sz="2400"/>
+            </a:pPr>
+            <a:r>
+              <a:t> Поставить на Зенит</a:t>
+            </a:r>
+          </a:p>
+          <a:p>
+            <a:pPr algn="l">
+              <a:lnSpc>
+                <a:spcPct val="150000"/>
+              </a:lnSpc>
+              <a:buSzPct val="100000"/>
+              <a:buFont typeface="Arial"/>
+              <a:buChar char="•"/>
+              <a:defRPr sz="2400"/>
+            </a:pPr>
+            <a:r>
+              <a:t> Поставить на Спартак </a:t>
+            </a:r>
+          </a:p>
+          <a:p>
+            <a:pPr algn="l">
+              <a:lnSpc>
+                <a:spcPct val="150000"/>
+              </a:lnSpc>
+              <a:buSzPct val="100000"/>
+              <a:buFont typeface="Arial"/>
+              <a:buChar char="•"/>
+              <a:defRPr sz="2400"/>
+            </a:pPr>
+            <a:r>
+              <a:t> Посмотреть коэффициенты на победу/проигрыш зенита </a:t>
+            </a:r>
+          </a:p>
+          <a:p>
+            <a:pPr algn="l">
+              <a:lnSpc>
+                <a:spcPct val="150000"/>
+              </a:lnSpc>
+              <a:buSzPct val="100000"/>
+              <a:buFont typeface="Arial"/>
+              <a:buChar char="•"/>
+              <a:defRPr sz="2400"/>
+            </a:pPr>
+            <a:r>
+              <a:t> Посмотреть на кого была сделана ставка с известного адреса</a:t>
+            </a:r>
+          </a:p>
+          <a:p>
+            <a:pPr algn="l">
+              <a:lnSpc>
+                <a:spcPct val="150000"/>
+              </a:lnSpc>
+              <a:buSzPct val="100000"/>
+              <a:buFont typeface="Arial"/>
+              <a:buChar char="•"/>
+              <a:defRPr sz="2400"/>
+            </a:pPr>
+            <a:r>
+              <a:t> Посмотреть все ставки на Зенит</a:t>
+            </a:r>
+          </a:p>
+          <a:p>
+            <a:pPr algn="l">
+              <a:lnSpc>
+                <a:spcPct val="150000"/>
+              </a:lnSpc>
+              <a:buSzPct val="100000"/>
+              <a:buFont typeface="Arial"/>
+              <a:buChar char="•"/>
+              <a:defRPr sz="2400"/>
+            </a:pPr>
+            <a:r>
+              <a:t> Посмотреть все ставки на Спартак</a:t>
+            </a:r>
+          </a:p>
+          <a:p>
+            <a:pPr algn="l">
+              <a:lnSpc>
+                <a:spcPct val="150000"/>
+              </a:lnSpc>
+              <a:buSzPct val="100000"/>
+              <a:buFont typeface="Arial"/>
+              <a:buChar char="•"/>
+              <a:defRPr sz="2400"/>
+            </a:pPr>
+            <a:r>
+              <a:t> Oracle может определить кто выиграл</a:t>
+            </a:r>
+          </a:p>
+          <a:p>
+            <a:pPr algn="l">
+              <a:lnSpc>
+                <a:spcPct val="150000"/>
+              </a:lnSpc>
+              <a:buSzPct val="100000"/>
+              <a:buFont typeface="Arial"/>
+              <a:buChar char="•"/>
+              <a:defRPr sz="2400"/>
+            </a:pPr>
+            <a:r>
+              <a:t> Oracle может уничтожить контракт</a:t>
+            </a:r>
+          </a:p>
+          <a:p>
+            <a:pPr algn="l">
+              <a:lnSpc>
+                <a:spcPct val="150000"/>
+              </a:lnSpc>
+              <a:buSzPct val="100000"/>
+              <a:buFont typeface="Arial"/>
+              <a:buChar char="•"/>
+              <a:defRPr sz="2400"/>
+            </a:pPr>
+            <a:r>
+              <a:t> dapp деплоится oraclом</a:t>
             </a:r>
           </a:p>
         </p:txBody>
       </p:sp>
       <p:sp>
         <p:nvSpPr>
-          <p:cNvPr id="140" name="About our smart contract smart, maybe 2 slides"/>
+          <p:cNvPr id="140" name="Как это работает 1"/>
           <p:cNvSpPr txBox="1"/>
-          <p:nvPr>
-            <p:ph type="subTitle" sz="quarter" idx="1"/>
-          </p:nvPr>
+          <p:nvPr/>
         </p:nvSpPr>
         <p:spPr>
-          <a:prstGeom prst="rect">
-            <a:avLst/>
-          </a:prstGeom>
+          <a:xfrm>
+            <a:off x="1215987" y="661957"/>
+            <a:ext cx="10464801" cy="1373176"/>
+          </a:xfrm>
+          <a:prstGeom prst="rect">
+            <a:avLst/>
+          </a:prstGeom>
+          <a:ln w="12700">
+            <a:miter lim="400000"/>
+          </a:ln>
+          <a:extLst>
+            <a:ext uri="{C572A759-6A51-4108-AA02-DFA0A04FC94B}">
+              <ma14:wrappingTextBoxFlag xmlns:ma14="http://schemas.microsoft.com/office/mac/drawingml/2011/main" val="1"/>
+            </a:ext>
+          </a:extLst>
         </p:spPr>
         <p:txBody>
-          <a:bodyPr/>
-          <a:lstStyle/>
+          <a:bodyPr lIns="50800" tIns="50800" rIns="50800" bIns="50800" anchor="b">
+            <a:normAutofit fontScale="100000" lnSpcReduction="0"/>
+          </a:bodyPr>
+          <a:lstStyle>
+            <a:lvl1pPr>
+              <a:defRPr sz="8000">
+                <a:solidFill>
+                  <a:srgbClr val="FFFFFF"/>
+                </a:solidFill>
+              </a:defRPr>
+            </a:lvl1pPr>
+          </a:lstStyle>
           <a:p>
             <a:pPr/>
             <a:r>
-              <a:t>About our smart contract smart, maybe 2 slides</a:t>
+              <a:t>Как это работает ?</a:t>
             </a:r>
           </a:p>
         </p:txBody>
@@ -3951,8 +4134,8 @@
         </p:nvSpPr>
         <p:spPr>
           <a:xfrm>
-            <a:off x="1270000" y="-1715671"/>
-            <a:ext cx="10464801" cy="3302001"/>
+            <a:off x="1270000" y="-1715672"/>
+            <a:ext cx="10464801" cy="3302003"/>
           </a:xfrm>
           <a:prstGeom prst="rect">
             <a:avLst/>
@@ -3979,8 +4162,8 @@
         </p:nvSpPr>
         <p:spPr>
           <a:xfrm>
-            <a:off x="1270000" y="1675229"/>
-            <a:ext cx="10464801" cy="1130301"/>
+            <a:off x="1270000" y="1675228"/>
+            <a:ext cx="10464801" cy="1130302"/>
           </a:xfrm>
           <a:prstGeom prst="rect">
             <a:avLst/>
@@ -4015,8 +4198,8 @@
         </p:blipFill>
         <p:spPr>
           <a:xfrm>
-            <a:off x="0" y="2667943"/>
-            <a:ext cx="13004801" cy="7206482"/>
+            <a:off x="0" y="2667942"/>
+            <a:ext cx="13004802" cy="7206483"/>
           </a:xfrm>
           <a:prstGeom prst="rect">
             <a:avLst/>
@@ -4062,8 +4245,8 @@
         </p:nvSpPr>
         <p:spPr>
           <a:xfrm>
-            <a:off x="-987481" y="122563"/>
-            <a:ext cx="10464801" cy="3302001"/>
+            <a:off x="-987481" y="122562"/>
+            <a:ext cx="10464801" cy="3302003"/>
           </a:xfrm>
           <a:prstGeom prst="rect">
             <a:avLst/>
@@ -4091,7 +4274,7 @@
         <p:spPr>
           <a:xfrm>
             <a:off x="544381" y="6673935"/>
-            <a:ext cx="10464801" cy="4410009"/>
+            <a:ext cx="10464801" cy="4410010"/>
           </a:xfrm>
           <a:prstGeom prst="rect">
             <a:avLst/>
@@ -4138,8 +4321,8 @@
         </p:blipFill>
         <p:spPr>
           <a:xfrm>
-            <a:off x="8383389" y="176277"/>
-            <a:ext cx="4191570" cy="4191570"/>
+            <a:off x="8383389" y="176276"/>
+            <a:ext cx="4191571" cy="4191572"/>
           </a:xfrm>
           <a:prstGeom prst="rect">
             <a:avLst/>
@@ -4194,7 +4377,7 @@
         <p:spPr>
           <a:xfrm>
             <a:off x="6981858" y="-3385705"/>
-            <a:ext cx="6554869" cy="4503896"/>
+            <a:ext cx="6554870" cy="4503897"/>
           </a:xfrm>
           <a:prstGeom prst="rect">
             <a:avLst/>
@@ -4222,8 +4405,8 @@
         </p:blipFill>
         <p:spPr>
           <a:xfrm>
-            <a:off x="6641237" y="1037352"/>
-            <a:ext cx="6554869" cy="4503896"/>
+            <a:off x="6641237" y="1037351"/>
+            <a:ext cx="6554870" cy="4503898"/>
           </a:xfrm>
           <a:prstGeom prst="rect">
             <a:avLst/>
@@ -4251,8 +4434,8 @@
         </p:blipFill>
         <p:spPr>
           <a:xfrm>
-            <a:off x="465417" y="514512"/>
-            <a:ext cx="6554868" cy="4503895"/>
+            <a:off x="465416" y="514512"/>
+            <a:ext cx="6554870" cy="4503895"/>
           </a:xfrm>
           <a:prstGeom prst="rect">
             <a:avLst/>
@@ -4272,8 +4455,8 @@
         </p:nvSpPr>
         <p:spPr>
           <a:xfrm>
-            <a:off x="-91159" y="6508007"/>
-            <a:ext cx="13187119" cy="3302001"/>
+            <a:off x="-91160" y="6508006"/>
+            <a:ext cx="13187121" cy="3302002"/>
           </a:xfrm>
           <a:prstGeom prst="rect">
             <a:avLst/>
@@ -4281,9 +4464,7 @@
           <a:gradFill>
             <a:gsLst>
               <a:gs pos="0">
-                <a:schemeClr val="accent1">
-                  <a:lumOff val="13529"/>
-                </a:schemeClr>
+                <a:srgbClr val="00A2FF"/>
               </a:gs>
               <a:gs pos="100000">
                 <a:srgbClr val="000000"/>
@@ -4293,9 +4474,7 @@
           </a:gradFill>
         </p:spPr>
         <p:txBody>
-          <a:bodyPr lIns="457200" tIns="457200" rIns="457200" bIns="457200">
-            <a:noAutofit/>
-          </a:bodyPr>
+          <a:bodyPr lIns="457200" tIns="457200" rIns="457200" bIns="457200"/>
           <a:lstStyle>
             <a:lvl1pPr>
               <a:defRPr sz="2200"/>
@@ -4317,8 +4496,8 @@
         </p:nvSpPr>
         <p:spPr>
           <a:xfrm>
-            <a:off x="2839579" y="5354402"/>
-            <a:ext cx="12421097" cy="3302001"/>
+            <a:off x="2839579" y="5354401"/>
+            <a:ext cx="12421097" cy="3302002"/>
           </a:xfrm>
           <a:prstGeom prst="rect">
             <a:avLst/>
@@ -4338,11 +4517,10 @@
           </a:bodyPr>
           <a:lstStyle>
             <a:lvl1pPr algn="l">
-              <a:defRPr b="0" sz="5000">
-                <a:latin typeface="+mn-lt"/>
-                <a:ea typeface="+mn-ea"/>
-                <a:cs typeface="+mn-cs"/>
-                <a:sym typeface="Helvetica Neue Medium"/>
+              <a:defRPr sz="5000">
+                <a:solidFill>
+                  <a:srgbClr val="FFFFFF"/>
+                </a:solidFill>
               </a:defRPr>
             </a:lvl1pPr>
           </a:lstStyle>
@@ -4371,13 +4549,13 @@
         <a:srgbClr val="000000"/>
       </a:dk1>
       <a:lt1>
-        <a:srgbClr val="FFFFFF"/>
+        <a:srgbClr val="000000"/>
       </a:lt1>
       <a:dk2>
-        <a:srgbClr val="434343"/>
+        <a:srgbClr val="A7A7A7"/>
       </a:dk2>
       <a:lt2>
-        <a:srgbClr val="A9A9A9"/>
+        <a:srgbClr val="535353"/>
       </a:lt2>
       <a:accent1>
         <a:srgbClr val="0076BA"/>
@@ -4406,14 +4584,14 @@
     </a:clrScheme>
     <a:fontScheme name="Black">
       <a:majorFont>
-        <a:latin typeface="Helvetica Neue Medium"/>
-        <a:ea typeface="Helvetica Neue Medium"/>
-        <a:cs typeface="Helvetica Neue Medium"/>
+        <a:latin typeface="Helvetica"/>
+        <a:ea typeface="Helvetica"/>
+        <a:cs typeface="Helvetica"/>
       </a:majorFont>
       <a:minorFont>
-        <a:latin typeface="Helvetica Neue Medium"/>
-        <a:ea typeface="Helvetica Neue Medium"/>
-        <a:cs typeface="Helvetica Neue Medium"/>
+        <a:latin typeface="Helvetica Neue"/>
+        <a:ea typeface="Helvetica Neue"/>
+        <a:cs typeface="Helvetica Neue"/>
       </a:minorFont>
     </a:fontScheme>
     <a:fmtScheme name="Black">
@@ -4554,13 +4732,14 @@
     <a:spDef>
       <a:spPr>
         <a:solidFill>
-          <a:schemeClr val="accent1">
-            <a:lumOff val="13529"/>
-          </a:schemeClr>
+          <a:srgbClr val="FFFFFF"/>
         </a:solidFill>
-        <a:ln w="12700" cap="flat">
-          <a:noFill/>
-          <a:miter lim="400000"/>
+        <a:ln w="25400" cap="flat">
+          <a:solidFill>
+            <a:schemeClr val="accent1"/>
+          </a:solidFill>
+          <a:prstDash val="solid"/>
+          <a:round/>
         </a:ln>
         <a:effectLst/>
         <a:sp3d/>
@@ -4584,18 +4763,18 @@
           <a:buFontTx/>
           <a:buNone/>
           <a:tabLst/>
-          <a:defRPr b="0" baseline="0" cap="none" i="0" spc="0" strike="noStrike" sz="2200" u="none" kumimoji="0" normalizeH="0">
+          <a:defRPr b="0" baseline="0" cap="none" i="0" spc="0" strike="noStrike" sz="2400" u="none" kumimoji="0" normalizeH="0">
             <a:ln>
               <a:noFill/>
             </a:ln>
             <a:solidFill>
-              <a:srgbClr val="FFFFFF"/>
+              <a:srgbClr val="000000"/>
             </a:solidFill>
             <a:effectLst/>
             <a:uFillTx/>
-            <a:latin typeface="+mn-lt"/>
-            <a:ea typeface="+mn-ea"/>
-            <a:cs typeface="+mn-cs"/>
+            <a:latin typeface="Helvetica Neue Medium"/>
+            <a:ea typeface="Helvetica Neue Medium"/>
+            <a:cs typeface="Helvetica Neue Medium"/>
             <a:sym typeface="Helvetica Neue Medium"/>
           </a:defRPr>
         </a:defPPr>
@@ -4846,10 +5025,10 @@
         <a:noFill/>
         <a:ln w="25400" cap="flat">
           <a:solidFill>
-            <a:srgbClr val="FFFFFF"/>
+            <a:schemeClr val="accent1"/>
           </a:solidFill>
           <a:prstDash val="solid"/>
-          <a:miter lim="400000"/>
+          <a:round/>
         </a:ln>
         <a:effectLst/>
         <a:sp3d/>
@@ -5155,19 +5334,19 @@
           <a:buFontTx/>
           <a:buNone/>
           <a:tabLst/>
-          <a:defRPr b="1" baseline="0" cap="none" i="0" spc="0" strike="noStrike" sz="2400" u="none" kumimoji="0" normalizeH="0">
+          <a:defRPr b="0" baseline="0" cap="none" i="0" spc="0" strike="noStrike" sz="2400" u="none" kumimoji="0" normalizeH="0">
             <a:ln>
               <a:noFill/>
             </a:ln>
             <a:solidFill>
-              <a:srgbClr val="FFFFFF"/>
+              <a:srgbClr val="000000"/>
             </a:solidFill>
             <a:effectLst/>
             <a:uFillTx/>
-            <a:latin typeface="Helvetica Neue"/>
-            <a:ea typeface="Helvetica Neue"/>
-            <a:cs typeface="Helvetica Neue"/>
-            <a:sym typeface="Helvetica Neue"/>
+            <a:latin typeface="Helvetica Neue Medium"/>
+            <a:ea typeface="Helvetica Neue Medium"/>
+            <a:cs typeface="Helvetica Neue Medium"/>
+            <a:sym typeface="Helvetica Neue Medium"/>
           </a:defRPr>
         </a:defPPr>
         <a:lvl1pPr marL="0" marR="0" indent="0" algn="l" defTabSz="914400" rtl="0" fontAlgn="auto" latinLnBrk="1" hangingPunct="0">
@@ -5427,10 +5606,10 @@
         <a:srgbClr val="FFFFFF"/>
       </a:lt1>
       <a:dk2>
-        <a:srgbClr val="434343"/>
+        <a:srgbClr val="A7A7A7"/>
       </a:dk2>
       <a:lt2>
-        <a:srgbClr val="A9A9A9"/>
+        <a:srgbClr val="535353"/>
       </a:lt2>
       <a:accent1>
         <a:srgbClr val="0076BA"/>
@@ -5459,14 +5638,14 @@
     </a:clrScheme>
     <a:fontScheme name="Black">
       <a:majorFont>
-        <a:latin typeface="Helvetica Neue Medium"/>
-        <a:ea typeface="Helvetica Neue Medium"/>
-        <a:cs typeface="Helvetica Neue Medium"/>
+        <a:latin typeface="Helvetica"/>
+        <a:ea typeface="Helvetica"/>
+        <a:cs typeface="Helvetica"/>
       </a:majorFont>
       <a:minorFont>
-        <a:latin typeface="Helvetica Neue Medium"/>
-        <a:ea typeface="Helvetica Neue Medium"/>
-        <a:cs typeface="Helvetica Neue Medium"/>
+        <a:latin typeface="Helvetica Neue"/>
+        <a:ea typeface="Helvetica Neue"/>
+        <a:cs typeface="Helvetica Neue"/>
       </a:minorFont>
     </a:fontScheme>
     <a:fmtScheme name="Black">
@@ -5607,13 +5786,14 @@
     <a:spDef>
       <a:spPr>
         <a:solidFill>
-          <a:schemeClr val="accent1">
-            <a:lumOff val="13529"/>
-          </a:schemeClr>
+          <a:srgbClr val="FFFFFF"/>
         </a:solidFill>
-        <a:ln w="12700" cap="flat">
-          <a:noFill/>
-          <a:miter lim="400000"/>
+        <a:ln w="25400" cap="flat">
+          <a:solidFill>
+            <a:schemeClr val="accent1"/>
+          </a:solidFill>
+          <a:prstDash val="solid"/>
+          <a:round/>
         </a:ln>
         <a:effectLst/>
         <a:sp3d/>
@@ -5637,18 +5817,18 @@
           <a:buFontTx/>
           <a:buNone/>
           <a:tabLst/>
-          <a:defRPr b="0" baseline="0" cap="none" i="0" spc="0" strike="noStrike" sz="2200" u="none" kumimoji="0" normalizeH="0">
+          <a:defRPr b="0" baseline="0" cap="none" i="0" spc="0" strike="noStrike" sz="2400" u="none" kumimoji="0" normalizeH="0">
             <a:ln>
               <a:noFill/>
             </a:ln>
             <a:solidFill>
-              <a:srgbClr val="FFFFFF"/>
+              <a:srgbClr val="000000"/>
             </a:solidFill>
             <a:effectLst/>
             <a:uFillTx/>
-            <a:latin typeface="+mn-lt"/>
-            <a:ea typeface="+mn-ea"/>
-            <a:cs typeface="+mn-cs"/>
+            <a:latin typeface="Helvetica Neue Medium"/>
+            <a:ea typeface="Helvetica Neue Medium"/>
+            <a:cs typeface="Helvetica Neue Medium"/>
             <a:sym typeface="Helvetica Neue Medium"/>
           </a:defRPr>
         </a:defPPr>
@@ -5899,10 +6079,10 @@
         <a:noFill/>
         <a:ln w="25400" cap="flat">
           <a:solidFill>
-            <a:srgbClr val="FFFFFF"/>
+            <a:schemeClr val="accent1"/>
           </a:solidFill>
           <a:prstDash val="solid"/>
-          <a:miter lim="400000"/>
+          <a:round/>
         </a:ln>
         <a:effectLst/>
         <a:sp3d/>
@@ -6208,19 +6388,19 @@
           <a:buFontTx/>
           <a:buNone/>
           <a:tabLst/>
-          <a:defRPr b="1" baseline="0" cap="none" i="0" spc="0" strike="noStrike" sz="2400" u="none" kumimoji="0" normalizeH="0">
+          <a:defRPr b="0" baseline="0" cap="none" i="0" spc="0" strike="noStrike" sz="2400" u="none" kumimoji="0" normalizeH="0">
             <a:ln>
               <a:noFill/>
             </a:ln>
             <a:solidFill>
-              <a:srgbClr val="FFFFFF"/>
+              <a:srgbClr val="000000"/>
             </a:solidFill>
             <a:effectLst/>
             <a:uFillTx/>
-            <a:latin typeface="Helvetica Neue"/>
-            <a:ea typeface="Helvetica Neue"/>
-            <a:cs typeface="Helvetica Neue"/>
-            <a:sym typeface="Helvetica Neue"/>
+            <a:latin typeface="Helvetica Neue Medium"/>
+            <a:ea typeface="Helvetica Neue Medium"/>
+            <a:cs typeface="Helvetica Neue Medium"/>
+            <a:sym typeface="Helvetica Neue Medium"/>
           </a:defRPr>
         </a:defPPr>
         <a:lvl1pPr marL="0" marR="0" indent="0" algn="l" defTabSz="914400" rtl="0" fontAlgn="auto" latinLnBrk="1" hangingPunct="0">

--- a/presentation.pptx
+++ b/presentation.pptx
@@ -3104,7 +3104,7 @@
             </a:r>
             <a:r>
               <a:rPr sz="3400"/>
-              <a:t>й</a:t>
+              <a:t>е</a:t>
             </a:r>
             <a:r>
               <a:rPr sz="3400"/>
@@ -3212,41 +3212,9 @@
           <a:chExt cx="0" cy="0"/>
         </a:xfrm>
       </p:grpSpPr>
-      <p:sp>
-        <p:nvSpPr>
-          <p:cNvPr id="156" name="Бонус, проблема oraсl-ов и почему блокчейн сосет"/>
-          <p:cNvSpPr txBox="1"/>
-          <p:nvPr>
-            <p:ph type="ctrTitle"/>
-          </p:nvPr>
-        </p:nvSpPr>
-        <p:spPr>
-          <a:xfrm>
-            <a:off x="1120278" y="25400"/>
-            <a:ext cx="10464801" cy="3302000"/>
-          </a:xfrm>
-          <a:prstGeom prst="rect">
-            <a:avLst/>
-          </a:prstGeom>
-        </p:spPr>
-        <p:txBody>
-          <a:bodyPr/>
-          <a:lstStyle>
-            <a:lvl1pPr defTabSz="502412">
-              <a:defRPr sz="6800"/>
-            </a:lvl1pPr>
-          </a:lstStyle>
-          <a:p>
-            <a:pPr/>
-            <a:r>
-              <a:t>Бонус, описание проблемы с oraсl-ом</a:t>
-            </a:r>
-          </a:p>
-        </p:txBody>
-      </p:sp>
       <p:pic>
         <p:nvPicPr>
-          <p:cNvPr id="157" name="1*aZPPYvn4feF9EHiU0MIP_A.png" descr="1*aZPPYvn4feF9EHiU0MIP_A.png"/>
+          <p:cNvPr id="155" name="fon2.png" descr="fon2.png"/>
           <p:cNvPicPr>
             <a:picLocks noChangeAspect="1"/>
           </p:cNvPicPr>
@@ -3262,8 +3230,8 @@
         </p:blipFill>
         <p:spPr>
           <a:xfrm>
-            <a:off x="1352550" y="4097783"/>
-            <a:ext cx="10299700" cy="3073401"/>
+            <a:off x="6981858" y="-3385705"/>
+            <a:ext cx="6554870" cy="4503897"/>
           </a:xfrm>
           <a:prstGeom prst="rect">
             <a:avLst/>
@@ -3273,6 +3241,151 @@
           </a:ln>
         </p:spPr>
       </p:pic>
+      <p:pic>
+        <p:nvPicPr>
+          <p:cNvPr id="156" name="fon2.png" descr="fon2.png"/>
+          <p:cNvPicPr>
+            <a:picLocks noChangeAspect="1"/>
+          </p:cNvPicPr>
+          <p:nvPr/>
+        </p:nvPicPr>
+        <p:blipFill>
+          <a:blip r:embed="rId2">
+            <a:extLst/>
+          </a:blip>
+          <a:stretch>
+            <a:fillRect/>
+          </a:stretch>
+        </p:blipFill>
+        <p:spPr>
+          <a:xfrm>
+            <a:off x="6641237" y="1037351"/>
+            <a:ext cx="6554870" cy="4503898"/>
+          </a:xfrm>
+          <a:prstGeom prst="rect">
+            <a:avLst/>
+          </a:prstGeom>
+          <a:ln w="12700">
+            <a:miter lim="400000"/>
+          </a:ln>
+        </p:spPr>
+      </p:pic>
+      <p:pic>
+        <p:nvPicPr>
+          <p:cNvPr id="157" name="fon2.png" descr="fon2.png"/>
+          <p:cNvPicPr>
+            <a:picLocks noChangeAspect="1"/>
+          </p:cNvPicPr>
+          <p:nvPr/>
+        </p:nvPicPr>
+        <p:blipFill>
+          <a:blip r:embed="rId2">
+            <a:extLst/>
+          </a:blip>
+          <a:stretch>
+            <a:fillRect/>
+          </a:stretch>
+        </p:blipFill>
+        <p:spPr>
+          <a:xfrm>
+            <a:off x="465416" y="514512"/>
+            <a:ext cx="6554870" cy="4503895"/>
+          </a:xfrm>
+          <a:prstGeom prst="rect">
+            <a:avLst/>
+          </a:prstGeom>
+          <a:ln w="12700">
+            <a:miter lim="400000"/>
+          </a:ln>
+        </p:spPr>
+      </p:pic>
+      <p:sp>
+        <p:nvSpPr>
+          <p:cNvPr id="158" name="Title"/>
+          <p:cNvSpPr txBox="1"/>
+          <p:nvPr>
+            <p:ph type="ctrTitle"/>
+          </p:nvPr>
+        </p:nvSpPr>
+        <p:spPr>
+          <a:xfrm>
+            <a:off x="-91160" y="6508006"/>
+            <a:ext cx="13187121" cy="3302002"/>
+          </a:xfrm>
+          <a:prstGeom prst="rect">
+            <a:avLst/>
+          </a:prstGeom>
+          <a:gradFill>
+            <a:gsLst>
+              <a:gs pos="0">
+                <a:srgbClr val="00A2FF"/>
+              </a:gs>
+              <a:gs pos="100000">
+                <a:srgbClr val="000000"/>
+              </a:gs>
+            </a:gsLst>
+            <a:lin ang="16315851"/>
+          </a:gradFill>
+        </p:spPr>
+        <p:txBody>
+          <a:bodyPr lIns="457200" tIns="457200" rIns="457200" bIns="457200"/>
+          <a:lstStyle>
+            <a:lvl1pPr>
+              <a:defRPr sz="2200"/>
+            </a:lvl1pPr>
+          </a:lstStyle>
+          <a:p>
+            <a:pPr/>
+            <a:r>
+              <a:t> </a:t>
+            </a:r>
+          </a:p>
+        </p:txBody>
+      </p:sp>
+      <p:sp>
+        <p:nvSpPr>
+          <p:cNvPr id="159" name="Спасибо за внимание!"/>
+          <p:cNvSpPr txBox="1"/>
+          <p:nvPr/>
+        </p:nvSpPr>
+        <p:spPr>
+          <a:xfrm>
+            <a:off x="2839579" y="5354401"/>
+            <a:ext cx="12421097" cy="3302002"/>
+          </a:xfrm>
+          <a:prstGeom prst="rect">
+            <a:avLst/>
+          </a:prstGeom>
+          <a:ln w="12700">
+            <a:miter lim="400000"/>
+          </a:ln>
+          <a:extLst>
+            <a:ext uri="{C572A759-6A51-4108-AA02-DFA0A04FC94B}">
+              <ma14:wrappingTextBoxFlag xmlns:ma14="http://schemas.microsoft.com/office/mac/drawingml/2011/main" val="1"/>
+            </a:ext>
+          </a:extLst>
+        </p:spPr>
+        <p:txBody>
+          <a:bodyPr lIns="114300" tIns="114300" rIns="114300" bIns="114300" anchor="b">
+            <a:normAutofit fontScale="100000" lnSpcReduction="0"/>
+          </a:bodyPr>
+          <a:lstStyle>
+            <a:lvl1pPr algn="l">
+              <a:defRPr sz="5000">
+                <a:solidFill>
+                  <a:srgbClr val="FFFFFF"/>
+                </a:solidFill>
+              </a:defRPr>
+            </a:lvl1pPr>
+          </a:lstStyle>
+          <a:p>
+            <a:pPr/>
+            <a:r>
+              <a:t>Спасибо за внимание!</a:t>
+            </a:r>
+          </a:p>
+        </p:txBody>
+      </p:sp>
     </p:spTree>
   </p:cSld>
   <p:clrMapOvr>
@@ -3710,7 +3823,7 @@
         </p:nvSpPr>
         <p:spPr>
           <a:xfrm>
-            <a:off x="834628" y="7802674"/>
+            <a:off x="1265855" y="7802674"/>
             <a:ext cx="10464801" cy="1130302"/>
           </a:xfrm>
           <a:prstGeom prst="rect">
@@ -3719,18 +3832,25 @@
         </p:spPr>
         <p:txBody>
           <a:bodyPr/>
-          <a:lstStyle>
-            <a:lvl1pPr algn="l" defTabSz="356361">
-              <a:lnSpc>
-                <a:spcPct val="90000"/>
-              </a:lnSpc>
+          <a:lstStyle/>
+          <a:p>
+            <a:pPr algn="l" defTabSz="356361">
               <a:defRPr sz="2200"/>
-            </a:lvl1pPr>
-          </a:lstStyle>
-          <a:p>
-            <a:pPr/>
-            <a:r>
-              <a:t>Использование blockchain технологи, а в частности смарт-контрактов, позволяет избавить пользователя от нежелательного риска, проверить коэффициенты исхода игр.</a:t>
+            </a:pPr>
+            <a:r>
+              <a:t>Использование blockchain </a:t>
+            </a:r>
+            <a:r>
+              <a:t>технологии</a:t>
+            </a:r>
+            <a:r>
+              <a:t>, в частности</a:t>
+            </a:r>
+            <a:r>
+              <a:t>,</a:t>
+            </a:r>
+            <a:r>
+              <a:t> смарт-контрактов, позволяет избавить пользователя от нежелательного риска, проверить коэффициенты исхода игр.</a:t>
             </a:r>
           </a:p>
         </p:txBody>
@@ -3810,17 +3930,17 @@
         <p:txBody>
           <a:bodyPr/>
           <a:lstStyle>
-            <a:lvl1pPr defTabSz="572516">
+            <a:lvl1pPr defTabSz="566674">
               <a:lnSpc>
                 <a:spcPct val="150000"/>
               </a:lnSpc>
-              <a:defRPr sz="3626"/>
+              <a:defRPr sz="3589"/>
             </a:lvl1pPr>
           </a:lstStyle>
           <a:p>
             <a:pPr/>
             <a:r>
-              <a:t>Смарт-контракт  — компьютерный алгоритм, предназначенный для заключения и поддержания коммерческих контрактов в технологии блокчейн</a:t>
+              <a:t>Смарт-контракт  — компьютерный алгоритм, предназначенный для заключения и поддержания коммерческих контрактов в технологии blockchain</a:t>
             </a:r>
           </a:p>
         </p:txBody>
@@ -3897,173 +4017,14 @@
       </p:grpSpPr>
       <p:sp>
         <p:nvSpPr>
-          <p:cNvPr id="139" name="About our smart contract smart, maybe 2 slides"/>
-          <p:cNvSpPr txBox="1"/>
-          <p:nvPr>
-            <p:ph type="subTitle" idx="1"/>
-          </p:nvPr>
-        </p:nvSpPr>
-        <p:spPr>
-          <a:xfrm>
-            <a:off x="1358863" y="3090849"/>
-            <a:ext cx="11072891" cy="6286545"/>
-          </a:xfrm>
-          <a:prstGeom prst="rect">
-            <a:avLst/>
-          </a:prstGeom>
-        </p:spPr>
-        <p:txBody>
-          <a:bodyPr/>
-          <a:lstStyle/>
-          <a:p>
-            <a:pPr algn="l">
-              <a:lnSpc>
-                <a:spcPct val="150000"/>
-              </a:lnSpc>
-              <a:defRPr sz="2400"/>
-            </a:pPr>
-            <a:r>
-              <a:t>В рамках смарт-контракта реализован следующий интерфейс:</a:t>
-            </a:r>
-          </a:p>
-          <a:p>
-            <a:pPr algn="l">
-              <a:lnSpc>
-                <a:spcPct val="150000"/>
-              </a:lnSpc>
-              <a:buSzPct val="100000"/>
-              <a:buFont typeface="Arial"/>
-              <a:buChar char="•"/>
-              <a:defRPr sz="2400"/>
-            </a:pPr>
-            <a:r>
-              <a:t> Поставить на Зенит</a:t>
-            </a:r>
-          </a:p>
-          <a:p>
-            <a:pPr algn="l">
-              <a:lnSpc>
-                <a:spcPct val="150000"/>
-              </a:lnSpc>
-              <a:buSzPct val="100000"/>
-              <a:buFont typeface="Arial"/>
-              <a:buChar char="•"/>
-              <a:defRPr sz="2400"/>
-            </a:pPr>
-            <a:r>
-              <a:t> Поставить на Спартак </a:t>
-            </a:r>
-          </a:p>
-          <a:p>
-            <a:pPr algn="l">
-              <a:lnSpc>
-                <a:spcPct val="150000"/>
-              </a:lnSpc>
-              <a:buSzPct val="100000"/>
-              <a:buFont typeface="Arial"/>
-              <a:buChar char="•"/>
-              <a:defRPr sz="2400"/>
-            </a:pPr>
-            <a:r>
-              <a:t> Посмотреть коэффициенты на победу/проигрыш зенита </a:t>
-            </a:r>
-          </a:p>
-          <a:p>
-            <a:pPr algn="l">
-              <a:lnSpc>
-                <a:spcPct val="150000"/>
-              </a:lnSpc>
-              <a:buSzPct val="100000"/>
-              <a:buFont typeface="Arial"/>
-              <a:buChar char="•"/>
-              <a:defRPr sz="2400"/>
-            </a:pPr>
-            <a:r>
-              <a:t> Посмотреть на кого была сделана ставка с известного адреса</a:t>
-            </a:r>
-          </a:p>
-          <a:p>
-            <a:pPr algn="l">
-              <a:lnSpc>
-                <a:spcPct val="150000"/>
-              </a:lnSpc>
-              <a:buSzPct val="100000"/>
-              <a:buFont typeface="Arial"/>
-              <a:buChar char="•"/>
-              <a:defRPr sz="2400"/>
-            </a:pPr>
-            <a:r>
-              <a:t> Посмотреть все ставки на Зенит</a:t>
-            </a:r>
-          </a:p>
-          <a:p>
-            <a:pPr algn="l">
-              <a:lnSpc>
-                <a:spcPct val="150000"/>
-              </a:lnSpc>
-              <a:buSzPct val="100000"/>
-              <a:buFont typeface="Arial"/>
-              <a:buChar char="•"/>
-              <a:defRPr sz="2400"/>
-            </a:pPr>
-            <a:r>
-              <a:t> Посмотреть все ставки на Спартак</a:t>
-            </a:r>
-          </a:p>
-          <a:p>
-            <a:pPr algn="l">
-              <a:lnSpc>
-                <a:spcPct val="150000"/>
-              </a:lnSpc>
-              <a:buSzPct val="100000"/>
-              <a:buFont typeface="Arial"/>
-              <a:buChar char="•"/>
-              <a:defRPr sz="2400"/>
-            </a:pPr>
-            <a:r>
-              <a:t> Oracle может определить кто выиграл</a:t>
-            </a:r>
-          </a:p>
-          <a:p>
-            <a:pPr algn="l">
-              <a:lnSpc>
-                <a:spcPct val="150000"/>
-              </a:lnSpc>
-              <a:buSzPct val="100000"/>
-              <a:buFont typeface="Arial"/>
-              <a:buChar char="•"/>
-              <a:defRPr sz="2400"/>
-            </a:pPr>
-            <a:r>
-              <a:t> Oracle может уничтожить контракт</a:t>
-            </a:r>
-          </a:p>
-          <a:p>
-            <a:pPr algn="l">
-              <a:lnSpc>
-                <a:spcPct val="150000"/>
-              </a:lnSpc>
-              <a:buSzPct val="100000"/>
-              <a:buFont typeface="Arial"/>
-              <a:buChar char="•"/>
-              <a:defRPr sz="2400"/>
-            </a:pPr>
-            <a:r>
-              <a:t> dapp деплоится oraclом</a:t>
-            </a:r>
-          </a:p>
-        </p:txBody>
-      </p:sp>
-      <p:sp>
-        <p:nvSpPr>
-          <p:cNvPr id="140" name="Как это работает 1"/>
+          <p:cNvPr id="139" name="Как это работает 2"/>
           <p:cNvSpPr txBox="1"/>
           <p:nvPr/>
         </p:nvSpPr>
         <p:spPr>
           <a:xfrm>
-            <a:off x="1215987" y="661957"/>
-            <a:ext cx="10464801" cy="1373176"/>
+            <a:off x="1287425" y="590520"/>
+            <a:ext cx="10464801" cy="1349385"/>
           </a:xfrm>
           <a:prstGeom prst="rect">
             <a:avLst/>
@@ -4078,7 +4039,7 @@
           </a:extLst>
         </p:spPr>
         <p:txBody>
-          <a:bodyPr lIns="50800" tIns="50800" rIns="50800" bIns="50800" anchor="b">
+          <a:bodyPr lIns="50800" tIns="50800" rIns="50800" bIns="50800" anchor="ctr">
             <a:normAutofit fontScale="100000" lnSpcReduction="0"/>
           </a:bodyPr>
           <a:lstStyle>
@@ -4093,8 +4054,185 @@
           <a:p>
             <a:pPr/>
             <a:r>
-              <a:t>Как это работает ?</a:t>
-            </a:r>
+              <a:t>Как это работает?</a:t>
+            </a:r>
+          </a:p>
+        </p:txBody>
+      </p:sp>
+      <p:sp>
+        <p:nvSpPr>
+          <p:cNvPr id="140" name="About our smart contract smart, maybe 2 slides"/>
+          <p:cNvSpPr txBox="1"/>
+          <p:nvPr/>
+        </p:nvSpPr>
+        <p:spPr>
+          <a:xfrm>
+            <a:off x="977394" y="2924992"/>
+            <a:ext cx="11072891" cy="1195427"/>
+          </a:xfrm>
+          <a:prstGeom prst="rect">
+            <a:avLst/>
+          </a:prstGeom>
+          <a:ln w="12700">
+            <a:miter lim="400000"/>
+          </a:ln>
+          <a:extLst>
+            <a:ext uri="{C572A759-6A51-4108-AA02-DFA0A04FC94B}">
+              <ma14:wrappingTextBoxFlag xmlns:ma14="http://schemas.microsoft.com/office/mac/drawingml/2011/main" val="1"/>
+            </a:ext>
+          </a:extLst>
+        </p:spPr>
+        <p:txBody>
+          <a:bodyPr lIns="50800" tIns="50800" rIns="50800" bIns="50800">
+            <a:spAutoFit/>
+          </a:bodyPr>
+          <a:lstStyle>
+            <a:lvl1pPr algn="l">
+              <a:lnSpc>
+                <a:spcPct val="150000"/>
+              </a:lnSpc>
+              <a:defRPr>
+                <a:solidFill>
+                  <a:srgbClr val="FFFFFF"/>
+                </a:solidFill>
+                <a:latin typeface="+mn-lt"/>
+                <a:ea typeface="+mn-ea"/>
+                <a:cs typeface="+mn-cs"/>
+                <a:sym typeface="Helvetica Neue"/>
+              </a:defRPr>
+            </a:lvl1pPr>
+          </a:lstStyle>
+          <a:p>
+            <a:pPr/>
+            <a:r>
+              <a:t>Классическая модель ставок:</a:t>
+            </a:r>
+            <a:endParaRPr sz="3700"/>
+          </a:p>
+        </p:txBody>
+      </p:sp>
+      <p:pic>
+        <p:nvPicPr>
+          <p:cNvPr id="141" name="Рисунок 13" descr="Рисунок 13"/>
+          <p:cNvPicPr>
+            <a:picLocks noChangeAspect="1"/>
+          </p:cNvPicPr>
+          <p:nvPr/>
+        </p:nvPicPr>
+        <p:blipFill>
+          <a:blip r:embed="rId2">
+            <a:extLst/>
+          </a:blip>
+          <a:stretch>
+            <a:fillRect/>
+          </a:stretch>
+        </p:blipFill>
+        <p:spPr>
+          <a:xfrm>
+            <a:off x="825232" y="3942472"/>
+            <a:ext cx="11390895" cy="1522219"/>
+          </a:xfrm>
+          <a:prstGeom prst="rect">
+            <a:avLst/>
+          </a:prstGeom>
+          <a:ln w="12700">
+            <a:miter lim="400000"/>
+          </a:ln>
+        </p:spPr>
+      </p:pic>
+      <p:sp>
+        <p:nvSpPr>
+          <p:cNvPr id="142" name="About our smart contract smart, maybe 2 slides"/>
+          <p:cNvSpPr txBox="1"/>
+          <p:nvPr/>
+        </p:nvSpPr>
+        <p:spPr>
+          <a:xfrm>
+            <a:off x="985927" y="6093093"/>
+            <a:ext cx="11072891" cy="2291793"/>
+          </a:xfrm>
+          <a:prstGeom prst="rect">
+            <a:avLst/>
+          </a:prstGeom>
+          <a:ln w="12700">
+            <a:miter lim="400000"/>
+          </a:ln>
+          <a:extLst>
+            <a:ext uri="{C572A759-6A51-4108-AA02-DFA0A04FC94B}">
+              <ma14:wrappingTextBoxFlag xmlns:ma14="http://schemas.microsoft.com/office/mac/drawingml/2011/main" val="1"/>
+            </a:ext>
+          </a:extLst>
+        </p:spPr>
+        <p:txBody>
+          <a:bodyPr lIns="50800" tIns="50800" rIns="50800" bIns="50800">
+            <a:spAutoFit/>
+          </a:bodyPr>
+          <a:lstStyle/>
+          <a:p>
+            <a:pPr algn="l">
+              <a:lnSpc>
+                <a:spcPct val="150000"/>
+              </a:lnSpc>
+              <a:defRPr>
+                <a:solidFill>
+                  <a:srgbClr val="FFFFFF"/>
+                </a:solidFill>
+                <a:latin typeface="+mn-lt"/>
+                <a:ea typeface="+mn-ea"/>
+                <a:cs typeface="+mn-cs"/>
+                <a:sym typeface="Helvetica Neue"/>
+              </a:defRPr>
+            </a:pPr>
+            <a:r>
+              <a:t>Преимущества blockchain технологии для данной модели:</a:t>
+            </a:r>
+            <a:endParaRPr sz="3700"/>
+          </a:p>
+          <a:p>
+            <a:pPr marL="342900" indent="-342900" algn="l">
+              <a:lnSpc>
+                <a:spcPct val="150000"/>
+              </a:lnSpc>
+              <a:buSzPct val="100000"/>
+              <a:buFont typeface="Arial"/>
+              <a:buChar char="•"/>
+              <a:defRPr>
+                <a:solidFill>
+                  <a:srgbClr val="FFFFFF"/>
+                </a:solidFill>
+                <a:latin typeface="+mn-lt"/>
+                <a:ea typeface="+mn-ea"/>
+                <a:cs typeface="+mn-cs"/>
+                <a:sym typeface="Helvetica Neue"/>
+              </a:defRPr>
+            </a:pPr>
+            <a:r>
+              <a:t>Прозрачность схемы</a:t>
+            </a:r>
+            <a:endParaRPr sz="3700"/>
+          </a:p>
+          <a:p>
+            <a:pPr marL="342900" indent="-342900" algn="l">
+              <a:lnSpc>
+                <a:spcPct val="150000"/>
+              </a:lnSpc>
+              <a:buSzPct val="100000"/>
+              <a:buFont typeface="Arial"/>
+              <a:buChar char="•"/>
+              <a:defRPr>
+                <a:solidFill>
+                  <a:srgbClr val="FFFFFF"/>
+                </a:solidFill>
+                <a:latin typeface="+mn-lt"/>
+                <a:ea typeface="+mn-ea"/>
+                <a:cs typeface="+mn-cs"/>
+                <a:sym typeface="Helvetica Neue"/>
+              </a:defRPr>
+            </a:pPr>
+            <a:r>
+              <a:t>Отсутствие посредников</a:t>
+            </a:r>
+            <a:endParaRPr sz="3700"/>
           </a:p>
         </p:txBody>
       </p:sp>
@@ -4126,7 +4264,7 @@
       </p:grpSpPr>
       <p:sp>
         <p:nvSpPr>
-          <p:cNvPr id="142" name="MVP (add slides)"/>
+          <p:cNvPr id="144" name="Как это работает 2"/>
           <p:cNvSpPr txBox="1"/>
           <p:nvPr>
             <p:ph type="ctrTitle"/>
@@ -4134,8 +4272,8 @@
         </p:nvSpPr>
         <p:spPr>
           <a:xfrm>
-            <a:off x="1270000" y="-1715672"/>
-            <a:ext cx="10464801" cy="3302003"/>
+            <a:off x="1287425" y="590520"/>
+            <a:ext cx="10464801" cy="1349385"/>
           </a:xfrm>
           <a:prstGeom prst="rect">
             <a:avLst/>
@@ -4147,23 +4285,26 @@
           <a:p>
             <a:pPr/>
             <a:r>
-              <a:t>MVP (add slides)</a:t>
+              <a:t>Как это работает</a:t>
+            </a:r>
+            <a:r>
+              <a:t> ?</a:t>
             </a:r>
           </a:p>
         </p:txBody>
       </p:sp>
       <p:sp>
         <p:nvSpPr>
-          <p:cNvPr id="143" name="https://github.com/padap/hse_smart_contracts"/>
+          <p:cNvPr id="145" name="About our smart contract smart, maybe 2 slides"/>
           <p:cNvSpPr txBox="1"/>
           <p:nvPr>
-            <p:ph type="subTitle" sz="quarter" idx="1"/>
+            <p:ph type="subTitle" idx="1"/>
           </p:nvPr>
         </p:nvSpPr>
         <p:spPr>
           <a:xfrm>
-            <a:off x="1270000" y="1675228"/>
-            <a:ext cx="10464801" cy="1130302"/>
+            <a:off x="977394" y="2593279"/>
+            <a:ext cx="11072891" cy="6286546"/>
           </a:xfrm>
           <a:prstGeom prst="rect">
             <a:avLst/>
@@ -4173,42 +4314,144 @@
           <a:bodyPr/>
           <a:lstStyle/>
           <a:p>
-            <a:pPr/>
-            <a:r>
-              <a:t>https://github.com/padap/hse_smart_contracts</a:t>
+            <a:pPr algn="l">
+              <a:lnSpc>
+                <a:spcPct val="150000"/>
+              </a:lnSpc>
+              <a:defRPr sz="2400"/>
+            </a:pPr>
+            <a:r>
+              <a:t>В рамках смарт-контракта реализован следующий интерфейс:</a:t>
+            </a:r>
+          </a:p>
+          <a:p>
+            <a:pPr algn="l">
+              <a:lnSpc>
+                <a:spcPct val="150000"/>
+              </a:lnSpc>
+              <a:buSzPct val="100000"/>
+              <a:buFont typeface="Arial"/>
+              <a:buChar char="•"/>
+              <a:defRPr sz="2400"/>
+            </a:pPr>
+            <a:r>
+              <a:t> Поставить на Зенит</a:t>
+            </a:r>
+          </a:p>
+          <a:p>
+            <a:pPr algn="l">
+              <a:lnSpc>
+                <a:spcPct val="150000"/>
+              </a:lnSpc>
+              <a:buSzPct val="100000"/>
+              <a:buFont typeface="Arial"/>
+              <a:buChar char="•"/>
+              <a:defRPr sz="2400"/>
+            </a:pPr>
+            <a:r>
+              <a:t> Поставить на Спартак </a:t>
+            </a:r>
+          </a:p>
+          <a:p>
+            <a:pPr algn="l">
+              <a:lnSpc>
+                <a:spcPct val="150000"/>
+              </a:lnSpc>
+              <a:buSzPct val="100000"/>
+              <a:buFont typeface="Arial"/>
+              <a:buChar char="•"/>
+              <a:defRPr sz="2400"/>
+            </a:pPr>
+            <a:r>
+              <a:t> Посмотреть коэффициенты на победу/проигрыш зенита </a:t>
+            </a:r>
+          </a:p>
+          <a:p>
+            <a:pPr algn="l">
+              <a:lnSpc>
+                <a:spcPct val="150000"/>
+              </a:lnSpc>
+              <a:buSzPct val="100000"/>
+              <a:buFont typeface="Arial"/>
+              <a:buChar char="•"/>
+              <a:defRPr sz="2400"/>
+            </a:pPr>
+            <a:r>
+              <a:t> Посмотреть на кого была сделана ставка с известного адреса</a:t>
+            </a:r>
+          </a:p>
+          <a:p>
+            <a:pPr algn="l">
+              <a:lnSpc>
+                <a:spcPct val="150000"/>
+              </a:lnSpc>
+              <a:buSzPct val="100000"/>
+              <a:buFont typeface="Arial"/>
+              <a:buChar char="•"/>
+              <a:defRPr sz="2400"/>
+            </a:pPr>
+            <a:r>
+              <a:t> Посмотреть все ставки на Зенит</a:t>
+            </a:r>
+          </a:p>
+          <a:p>
+            <a:pPr algn="l">
+              <a:lnSpc>
+                <a:spcPct val="150000"/>
+              </a:lnSpc>
+              <a:buSzPct val="100000"/>
+              <a:buFont typeface="Arial"/>
+              <a:buChar char="•"/>
+              <a:defRPr sz="2400"/>
+            </a:pPr>
+            <a:r>
+              <a:t> Посмотреть все ставки на Спартак</a:t>
+            </a:r>
+          </a:p>
+          <a:p>
+            <a:pPr algn="l">
+              <a:lnSpc>
+                <a:spcPct val="150000"/>
+              </a:lnSpc>
+              <a:buSzPct val="100000"/>
+              <a:buFont typeface="Arial"/>
+              <a:buChar char="•"/>
+              <a:defRPr sz="2400"/>
+            </a:pPr>
+            <a:r>
+              <a:t> Oracle может определить кто выиграл</a:t>
+            </a:r>
+          </a:p>
+          <a:p>
+            <a:pPr algn="l">
+              <a:lnSpc>
+                <a:spcPct val="150000"/>
+              </a:lnSpc>
+              <a:buSzPct val="100000"/>
+              <a:buFont typeface="Arial"/>
+              <a:buChar char="•"/>
+              <a:defRPr sz="2400"/>
+            </a:pPr>
+            <a:r>
+              <a:t> Oracle может уничтожить контракт</a:t>
+            </a:r>
+          </a:p>
+          <a:p>
+            <a:pPr algn="l">
+              <a:lnSpc>
+                <a:spcPct val="150000"/>
+              </a:lnSpc>
+              <a:buSzPct val="100000"/>
+              <a:buFont typeface="Arial"/>
+              <a:buChar char="•"/>
+              <a:defRPr sz="2400"/>
+            </a:pPr>
+            <a:r>
+              <a:t> dapp деплоится oraclом</a:t>
             </a:r>
           </a:p>
         </p:txBody>
       </p:sp>
-      <p:pic>
-        <p:nvPicPr>
-          <p:cNvPr id="144" name="Screen Shot 2018-12-24 at 8.18.18 PM.png" descr="Screen Shot 2018-12-24 at 8.18.18 PM.png"/>
-          <p:cNvPicPr>
-            <a:picLocks noChangeAspect="1"/>
-          </p:cNvPicPr>
-          <p:nvPr/>
-        </p:nvPicPr>
-        <p:blipFill>
-          <a:blip r:embed="rId2">
-            <a:extLst/>
-          </a:blip>
-          <a:stretch>
-            <a:fillRect/>
-          </a:stretch>
-        </p:blipFill>
-        <p:spPr>
-          <a:xfrm>
-            <a:off x="0" y="2667942"/>
-            <a:ext cx="13004802" cy="7206483"/>
-          </a:xfrm>
-          <a:prstGeom prst="rect">
-            <a:avLst/>
-          </a:prstGeom>
-          <a:ln w="12700">
-            <a:miter lim="400000"/>
-          </a:ln>
-        </p:spPr>
-      </p:pic>
     </p:spTree>
   </p:cSld>
   <p:clrMapOvr>
@@ -4237,7 +4480,7 @@
       </p:grpSpPr>
       <p:sp>
         <p:nvSpPr>
-          <p:cNvPr id="146" name="Дальнейшие улучшения"/>
+          <p:cNvPr id="147" name="MVP (add slides)"/>
           <p:cNvSpPr txBox="1"/>
           <p:nvPr>
             <p:ph type="ctrTitle"/>
@@ -4245,7 +4488,7 @@
         </p:nvSpPr>
         <p:spPr>
           <a:xfrm>
-            <a:off x="-987481" y="122562"/>
+            <a:off x="1270000" y="-1715672"/>
             <a:ext cx="10464801" cy="3302003"/>
           </a:xfrm>
           <a:prstGeom prst="rect">
@@ -4258,23 +4501,23 @@
           <a:p>
             <a:pPr/>
             <a:r>
-              <a:t>Дальнейшие улучшения</a:t>
+              <a:t>Источник</a:t>
             </a:r>
           </a:p>
         </p:txBody>
       </p:sp>
       <p:sp>
         <p:nvSpPr>
-          <p:cNvPr id="147" name="- Продвинутая система ставок…"/>
+          <p:cNvPr id="148" name="https://github.com/padap/hse_smart_contracts"/>
           <p:cNvSpPr txBox="1"/>
           <p:nvPr>
-            <p:ph type="subTitle" sz="half" idx="1"/>
+            <p:ph type="subTitle" sz="quarter" idx="1"/>
           </p:nvPr>
         </p:nvSpPr>
         <p:spPr>
           <a:xfrm>
-            <a:off x="544381" y="6673935"/>
-            <a:ext cx="10464801" cy="4410010"/>
+            <a:off x="1270000" y="1675228"/>
+            <a:ext cx="10464801" cy="1130302"/>
           </a:xfrm>
           <a:prstGeom prst="rect">
             <a:avLst/>
@@ -4284,28 +4527,16 @@
           <a:bodyPr/>
           <a:lstStyle/>
           <a:p>
-            <a:pPr algn="l"/>
-            <a:r>
-              <a:t>- Продвинутая система ставок</a:t>
-            </a:r>
-          </a:p>
-          <a:p>
-            <a:pPr algn="l"/>
-            <a:r>
-              <a:t>- Приятный front интерфейс</a:t>
-            </a:r>
-          </a:p>
-          <a:p>
-            <a:pPr algn="l"/>
-            <a:r>
-              <a:t>- Решение проблемы с oracle</a:t>
+            <a:pPr/>
+            <a:r>
+              <a:t>https://github.com/padap/hse_smart_contracts</a:t>
             </a:r>
           </a:p>
         </p:txBody>
       </p:sp>
       <p:pic>
         <p:nvPicPr>
-          <p:cNvPr id="148" name="app-144.png" descr="app-144.png"/>
+          <p:cNvPr id="149" name="Screen Shot 2018-12-24 at 8.18.18 PM.png" descr="Screen Shot 2018-12-24 at 8.18.18 PM.png"/>
           <p:cNvPicPr>
             <a:picLocks noChangeAspect="1"/>
           </p:cNvPicPr>
@@ -4321,8 +4552,8 @@
         </p:blipFill>
         <p:spPr>
           <a:xfrm>
-            <a:off x="8383389" y="176276"/>
-            <a:ext cx="4191571" cy="4191572"/>
+            <a:off x="0" y="2667942"/>
+            <a:ext cx="13004802" cy="7206483"/>
           </a:xfrm>
           <a:prstGeom prst="rect">
             <a:avLst/>
@@ -4358,9 +4589,89 @@
           <a:chExt cx="0" cy="0"/>
         </a:xfrm>
       </p:grpSpPr>
+      <p:sp>
+        <p:nvSpPr>
+          <p:cNvPr id="151" name="Дальнейшие улучшения"/>
+          <p:cNvSpPr txBox="1"/>
+          <p:nvPr>
+            <p:ph type="ctrTitle"/>
+          </p:nvPr>
+        </p:nvSpPr>
+        <p:spPr>
+          <a:xfrm>
+            <a:off x="-987481" y="122562"/>
+            <a:ext cx="10464801" cy="3302003"/>
+          </a:xfrm>
+          <a:prstGeom prst="rect">
+            <a:avLst/>
+          </a:prstGeom>
+        </p:spPr>
+        <p:txBody>
+          <a:bodyPr/>
+          <a:lstStyle/>
+          <a:p>
+            <a:pPr/>
+            <a:r>
+              <a:t>Дальнейшие улучшения</a:t>
+            </a:r>
+          </a:p>
+        </p:txBody>
+      </p:sp>
+      <p:sp>
+        <p:nvSpPr>
+          <p:cNvPr id="152" name="- Продвинутая система ставок…"/>
+          <p:cNvSpPr txBox="1"/>
+          <p:nvPr>
+            <p:ph type="subTitle" sz="quarter" idx="1"/>
+          </p:nvPr>
+        </p:nvSpPr>
+        <p:spPr>
+          <a:xfrm>
+            <a:off x="544381" y="6591007"/>
+            <a:ext cx="10464801" cy="2331237"/>
+          </a:xfrm>
+          <a:prstGeom prst="rect">
+            <a:avLst/>
+          </a:prstGeom>
+        </p:spPr>
+        <p:txBody>
+          <a:bodyPr/>
+          <a:lstStyle/>
+          <a:p>
+            <a:pPr marL="571500" indent="-571500" algn="l">
+              <a:buSzPct val="100000"/>
+              <a:buFont typeface="Arial"/>
+              <a:buChar char="•"/>
+            </a:pPr>
+            <a:r>
+              <a:t>Продвинутая система ставок</a:t>
+            </a:r>
+          </a:p>
+          <a:p>
+            <a:pPr marL="571500" indent="-571500" algn="l">
+              <a:buSzPct val="100000"/>
+              <a:buFont typeface="Arial"/>
+              <a:buChar char="•"/>
+            </a:pPr>
+            <a:r>
+              <a:t>Приятный front интерфейс</a:t>
+            </a:r>
+          </a:p>
+          <a:p>
+            <a:pPr marL="571500" indent="-571500" algn="l">
+              <a:buSzPct val="100000"/>
+              <a:buFont typeface="Arial"/>
+              <a:buChar char="•"/>
+            </a:pPr>
+            <a:r>
+              <a:t>Решение проблемы с oracle</a:t>
+            </a:r>
+          </a:p>
+        </p:txBody>
+      </p:sp>
       <p:pic>
         <p:nvPicPr>
-          <p:cNvPr id="150" name="fon2.png" descr="fon2.png"/>
+          <p:cNvPr id="153" name="app-144.png" descr="app-144.png"/>
           <p:cNvPicPr>
             <a:picLocks noChangeAspect="1"/>
           </p:cNvPicPr>
@@ -4376,8 +4687,8 @@
         </p:blipFill>
         <p:spPr>
           <a:xfrm>
-            <a:off x="6981858" y="-3385705"/>
-            <a:ext cx="6554870" cy="4503897"/>
+            <a:off x="8383389" y="176276"/>
+            <a:ext cx="4191571" cy="4191572"/>
           </a:xfrm>
           <a:prstGeom prst="rect">
             <a:avLst/>
@@ -4387,151 +4698,6 @@
           </a:ln>
         </p:spPr>
       </p:pic>
-      <p:pic>
-        <p:nvPicPr>
-          <p:cNvPr id="151" name="fon2.png" descr="fon2.png"/>
-          <p:cNvPicPr>
-            <a:picLocks noChangeAspect="1"/>
-          </p:cNvPicPr>
-          <p:nvPr/>
-        </p:nvPicPr>
-        <p:blipFill>
-          <a:blip r:embed="rId2">
-            <a:extLst/>
-          </a:blip>
-          <a:stretch>
-            <a:fillRect/>
-          </a:stretch>
-        </p:blipFill>
-        <p:spPr>
-          <a:xfrm>
-            <a:off x="6641237" y="1037351"/>
-            <a:ext cx="6554870" cy="4503898"/>
-          </a:xfrm>
-          <a:prstGeom prst="rect">
-            <a:avLst/>
-          </a:prstGeom>
-          <a:ln w="12700">
-            <a:miter lim="400000"/>
-          </a:ln>
-        </p:spPr>
-      </p:pic>
-      <p:pic>
-        <p:nvPicPr>
-          <p:cNvPr id="152" name="fon2.png" descr="fon2.png"/>
-          <p:cNvPicPr>
-            <a:picLocks noChangeAspect="1"/>
-          </p:cNvPicPr>
-          <p:nvPr/>
-        </p:nvPicPr>
-        <p:blipFill>
-          <a:blip r:embed="rId2">
-            <a:extLst/>
-          </a:blip>
-          <a:stretch>
-            <a:fillRect/>
-          </a:stretch>
-        </p:blipFill>
-        <p:spPr>
-          <a:xfrm>
-            <a:off x="465416" y="514512"/>
-            <a:ext cx="6554870" cy="4503895"/>
-          </a:xfrm>
-          <a:prstGeom prst="rect">
-            <a:avLst/>
-          </a:prstGeom>
-          <a:ln w="12700">
-            <a:miter lim="400000"/>
-          </a:ln>
-        </p:spPr>
-      </p:pic>
-      <p:sp>
-        <p:nvSpPr>
-          <p:cNvPr id="153" name="Title"/>
-          <p:cNvSpPr txBox="1"/>
-          <p:nvPr>
-            <p:ph type="ctrTitle"/>
-          </p:nvPr>
-        </p:nvSpPr>
-        <p:spPr>
-          <a:xfrm>
-            <a:off x="-91160" y="6508006"/>
-            <a:ext cx="13187121" cy="3302002"/>
-          </a:xfrm>
-          <a:prstGeom prst="rect">
-            <a:avLst/>
-          </a:prstGeom>
-          <a:gradFill>
-            <a:gsLst>
-              <a:gs pos="0">
-                <a:srgbClr val="00A2FF"/>
-              </a:gs>
-              <a:gs pos="100000">
-                <a:srgbClr val="000000"/>
-              </a:gs>
-            </a:gsLst>
-            <a:lin ang="16315851"/>
-          </a:gradFill>
-        </p:spPr>
-        <p:txBody>
-          <a:bodyPr lIns="457200" tIns="457200" rIns="457200" bIns="457200"/>
-          <a:lstStyle>
-            <a:lvl1pPr>
-              <a:defRPr sz="2200"/>
-            </a:lvl1pPr>
-          </a:lstStyle>
-          <a:p>
-            <a:pPr/>
-            <a:r>
-              <a:t> </a:t>
-            </a:r>
-          </a:p>
-        </p:txBody>
-      </p:sp>
-      <p:sp>
-        <p:nvSpPr>
-          <p:cNvPr id="154" name="Спасибо за внимание!"/>
-          <p:cNvSpPr txBox="1"/>
-          <p:nvPr/>
-        </p:nvSpPr>
-        <p:spPr>
-          <a:xfrm>
-            <a:off x="2839579" y="5354401"/>
-            <a:ext cx="12421097" cy="3302002"/>
-          </a:xfrm>
-          <a:prstGeom prst="rect">
-            <a:avLst/>
-          </a:prstGeom>
-          <a:ln w="12700">
-            <a:miter lim="400000"/>
-          </a:ln>
-          <a:extLst>
-            <a:ext uri="{C572A759-6A51-4108-AA02-DFA0A04FC94B}">
-              <ma14:wrappingTextBoxFlag xmlns:ma14="http://schemas.microsoft.com/office/mac/drawingml/2011/main" val="1"/>
-            </a:ext>
-          </a:extLst>
-        </p:spPr>
-        <p:txBody>
-          <a:bodyPr lIns="114300" tIns="114300" rIns="114300" bIns="114300" anchor="b">
-            <a:normAutofit fontScale="100000" lnSpcReduction="0"/>
-          </a:bodyPr>
-          <a:lstStyle>
-            <a:lvl1pPr algn="l">
-              <a:defRPr sz="5000">
-                <a:solidFill>
-                  <a:srgbClr val="FFFFFF"/>
-                </a:solidFill>
-              </a:defRPr>
-            </a:lvl1pPr>
-          </a:lstStyle>
-          <a:p>
-            <a:pPr/>
-            <a:r>
-              <a:t>Спасибо за внимание!</a:t>
-            </a:r>
-          </a:p>
-        </p:txBody>
-      </p:sp>
     </p:spTree>
   </p:cSld>
   <p:clrMapOvr>
